--- a/reportsapp/ticket_data.pptx
+++ b/reportsapp/ticket_data.pptx
@@ -143,7 +143,7 @@
               <c:strCache>
                 <c:ptCount val="3"/>
                 <c:pt idx="0">
-                  <c:v>November</c:v>
+                  <c:v>December</c:v>
                 </c:pt>
                 <c:pt idx="1">
                   <c:v>December</c:v>
@@ -161,13 +161,13 @@
                 <c:formatCode>General</c:formatCode>
                 <c:ptCount val="3"/>
                 <c:pt idx="0">
-                  <c:v>113.0</c:v>
+                  <c:v>126.0</c:v>
                 </c:pt>
                 <c:pt idx="1">
-                  <c:v>127.0</c:v>
+                  <c:v>138.0</c:v>
                 </c:pt>
                 <c:pt idx="2">
-                  <c:v>139.0</c:v>
+                  <c:v>127.0</c:v>
                 </c:pt>
               </c:numCache>
             </c:numRef>
@@ -193,7 +193,7 @@
               <c:strCache>
                 <c:ptCount val="3"/>
                 <c:pt idx="0">
-                  <c:v>November</c:v>
+                  <c:v>December</c:v>
                 </c:pt>
                 <c:pt idx="1">
                   <c:v>December</c:v>
@@ -211,13 +211,13 @@
                 <c:formatCode>General</c:formatCode>
                 <c:ptCount val="3"/>
                 <c:pt idx="0">
-                  <c:v>219.0</c:v>
+                  <c:v>312.0</c:v>
                 </c:pt>
                 <c:pt idx="1">
-                  <c:v>308.0</c:v>
+                  <c:v>220.0</c:v>
                 </c:pt>
                 <c:pt idx="2">
-                  <c:v>220.0</c:v>
+                  <c:v>217.0</c:v>
                 </c:pt>
               </c:numCache>
             </c:numRef>
@@ -243,7 +243,7 @@
               <c:strCache>
                 <c:ptCount val="3"/>
                 <c:pt idx="0">
-                  <c:v>November</c:v>
+                  <c:v>December</c:v>
                 </c:pt>
                 <c:pt idx="1">
                   <c:v>December</c:v>
@@ -261,13 +261,13 @@
                 <c:formatCode>General</c:formatCode>
                 <c:ptCount val="3"/>
                 <c:pt idx="0">
-                  <c:v>158.0</c:v>
+                  <c:v>129.0</c:v>
                 </c:pt>
                 <c:pt idx="1">
-                  <c:v>127.0</c:v>
+                  <c:v>126.0</c:v>
                 </c:pt>
                 <c:pt idx="2">
-                  <c:v>125.0</c:v>
+                  <c:v>86.0</c:v>
                 </c:pt>
               </c:numCache>
             </c:numRef>
@@ -3417,7 +3417,7 @@
           <a:lstStyle/>
           <a:p>
             <a:r>
-              <a:t>Date: 2023-02-21</a:t>
+              <a:t>Date: 2023-03-01</a:t>
             </a:r>
           </a:p>
         </p:txBody>
@@ -3544,7 +3544,7 @@
                 <a:gridCol w="1828800"/>
                 <a:gridCol w="1828800"/>
               </a:tblGrid>
-              <a:tr h="101600">
+              <a:tr h="76200">
                 <a:tc>
                   <a:txBody>
                     <a:bodyPr/>
@@ -3594,7 +3594,7 @@
                   <a:tcPr/>
                 </a:tc>
               </a:tr>
-              <a:tr h="101600">
+              <a:tr h="76200">
                 <a:tc>
                   <a:txBody>
                     <a:bodyPr/>
@@ -3613,6 +3613,56 @@
                     <a:lstStyle/>
                     <a:p>
                       <a:r>
+                        <a:t>13</a:t>
+                      </a:r>
+                    </a:p>
+                  </a:txBody>
+                  <a:tcPr/>
+                </a:tc>
+                <a:tc>
+                  <a:txBody>
+                    <a:bodyPr/>
+                    <a:lstStyle/>
+                    <a:p>
+                      <a:r>
+                        <a:t>0</a:t>
+                      </a:r>
+                    </a:p>
+                  </a:txBody>
+                  <a:tcPr/>
+                </a:tc>
+                <a:tc>
+                  <a:txBody>
+                    <a:bodyPr/>
+                    <a:lstStyle/>
+                    <a:p>
+                      <a:r>
+                        <a:t>13</a:t>
+                      </a:r>
+                    </a:p>
+                  </a:txBody>
+                  <a:tcPr/>
+                </a:tc>
+              </a:tr>
+              <a:tr h="76200">
+                <a:tc>
+                  <a:txBody>
+                    <a:bodyPr/>
+                    <a:lstStyle/>
+                    <a:p>
+                      <a:r>
+                        <a:t>BILLING &amp; SOLUTIONS</a:t>
+                      </a:r>
+                    </a:p>
+                  </a:txBody>
+                  <a:tcPr/>
+                </a:tc>
+                <a:tc>
+                  <a:txBody>
+                    <a:bodyPr/>
+                    <a:lstStyle/>
+                    <a:p>
+                      <a:r>
                         <a:t>2</a:t>
                       </a:r>
                     </a:p>
@@ -3625,12 +3675,62 @@
                     <a:lstStyle/>
                     <a:p>
                       <a:r>
+                        <a:t>2</a:t>
+                      </a:r>
+                    </a:p>
+                  </a:txBody>
+                  <a:tcPr/>
+                </a:tc>
+                <a:tc>
+                  <a:txBody>
+                    <a:bodyPr/>
+                    <a:lstStyle/>
+                    <a:p>
+                      <a:r>
                         <a:t>0</a:t>
                       </a:r>
                     </a:p>
                   </a:txBody>
                   <a:tcPr/>
                 </a:tc>
+              </a:tr>
+              <a:tr h="76200">
+                <a:tc>
+                  <a:txBody>
+                    <a:bodyPr/>
+                    <a:lstStyle/>
+                    <a:p>
+                      <a:r>
+                        <a:t>INCIDENT</a:t>
+                      </a:r>
+                    </a:p>
+                  </a:txBody>
+                  <a:tcPr/>
+                </a:tc>
+                <a:tc>
+                  <a:txBody>
+                    <a:bodyPr/>
+                    <a:lstStyle/>
+                    <a:p>
+                      <a:r>
+                        <a:t>5</a:t>
+                      </a:r>
+                    </a:p>
+                  </a:txBody>
+                  <a:tcPr/>
+                </a:tc>
+                <a:tc>
+                  <a:txBody>
+                    <a:bodyPr/>
+                    <a:lstStyle/>
+                    <a:p>
+                      <a:r>
+                        <a:t>3</a:t>
+                      </a:r>
+                    </a:p>
+                  </a:txBody>
+                  <a:tcPr/>
+                </a:tc>
                 <a:tc>
                   <a:txBody>
                     <a:bodyPr/>
@@ -3644,14 +3744,364 @@
                   <a:tcPr/>
                 </a:tc>
               </a:tr>
-              <a:tr h="101600">
-                <a:tc>
-                  <a:txBody>
-                    <a:bodyPr/>
-                    <a:lstStyle/>
-                    <a:p>
-                      <a:r>
-                        <a:t>INCIDENT</a:t>
+              <a:tr h="76200">
+                <a:tc>
+                  <a:txBody>
+                    <a:bodyPr/>
+                    <a:lstStyle/>
+                    <a:p>
+                      <a:r>
+                        <a:t>INFORMATION</a:t>
+                      </a:r>
+                    </a:p>
+                  </a:txBody>
+                  <a:tcPr/>
+                </a:tc>
+                <a:tc>
+                  <a:txBody>
+                    <a:bodyPr/>
+                    <a:lstStyle/>
+                    <a:p>
+                      <a:r>
+                        <a:t>13</a:t>
+                      </a:r>
+                    </a:p>
+                  </a:txBody>
+                  <a:tcPr/>
+                </a:tc>
+                <a:tc>
+                  <a:txBody>
+                    <a:bodyPr/>
+                    <a:lstStyle/>
+                    <a:p>
+                      <a:r>
+                        <a:t>13</a:t>
+                      </a:r>
+                    </a:p>
+                  </a:txBody>
+                  <a:tcPr/>
+                </a:tc>
+                <a:tc>
+                  <a:txBody>
+                    <a:bodyPr/>
+                    <a:lstStyle/>
+                    <a:p>
+                      <a:r>
+                        <a:t>0</a:t>
+                      </a:r>
+                    </a:p>
+                  </a:txBody>
+                  <a:tcPr/>
+                </a:tc>
+              </a:tr>
+              <a:tr h="76200">
+                <a:tc>
+                  <a:txBody>
+                    <a:bodyPr/>
+                    <a:lstStyle/>
+                    <a:p>
+                      <a:r>
+                        <a:t>JUNK</a:t>
+                      </a:r>
+                    </a:p>
+                  </a:txBody>
+                  <a:tcPr/>
+                </a:tc>
+                <a:tc>
+                  <a:txBody>
+                    <a:bodyPr/>
+                    <a:lstStyle/>
+                    <a:p>
+                      <a:r>
+                        <a:t>2</a:t>
+                      </a:r>
+                    </a:p>
+                  </a:txBody>
+                  <a:tcPr/>
+                </a:tc>
+                <a:tc>
+                  <a:txBody>
+                    <a:bodyPr/>
+                    <a:lstStyle/>
+                    <a:p>
+                      <a:r>
+                        <a:t>2</a:t>
+                      </a:r>
+                    </a:p>
+                  </a:txBody>
+                  <a:tcPr/>
+                </a:tc>
+                <a:tc>
+                  <a:txBody>
+                    <a:bodyPr/>
+                    <a:lstStyle/>
+                    <a:p>
+                      <a:r>
+                        <a:t>0</a:t>
+                      </a:r>
+                    </a:p>
+                  </a:txBody>
+                  <a:tcPr/>
+                </a:tc>
+              </a:tr>
+              <a:tr h="76200">
+                <a:tc>
+                  <a:txBody>
+                    <a:bodyPr/>
+                    <a:lstStyle/>
+                    <a:p>
+                      <a:r>
+                        <a:t>MAINTENANCE</a:t>
+                      </a:r>
+                    </a:p>
+                  </a:txBody>
+                  <a:tcPr/>
+                </a:tc>
+                <a:tc>
+                  <a:txBody>
+                    <a:bodyPr/>
+                    <a:lstStyle/>
+                    <a:p>
+                      <a:r>
+                        <a:t>7</a:t>
+                      </a:r>
+                    </a:p>
+                  </a:txBody>
+                  <a:tcPr/>
+                </a:tc>
+                <a:tc>
+                  <a:txBody>
+                    <a:bodyPr/>
+                    <a:lstStyle/>
+                    <a:p>
+                      <a:r>
+                        <a:t>7</a:t>
+                      </a:r>
+                    </a:p>
+                  </a:txBody>
+                  <a:tcPr/>
+                </a:tc>
+                <a:tc>
+                  <a:txBody>
+                    <a:bodyPr/>
+                    <a:lstStyle/>
+                    <a:p>
+                      <a:r>
+                        <a:t>0</a:t>
+                      </a:r>
+                    </a:p>
+                  </a:txBody>
+                  <a:tcPr/>
+                </a:tc>
+              </a:tr>
+              <a:tr h="76200">
+                <a:tc>
+                  <a:txBody>
+                    <a:bodyPr/>
+                    <a:lstStyle/>
+                    <a:p>
+                      <a:r>
+                        <a:t>ON-BOARDING</a:t>
+                      </a:r>
+                    </a:p>
+                  </a:txBody>
+                  <a:tcPr/>
+                </a:tc>
+                <a:tc>
+                  <a:txBody>
+                    <a:bodyPr/>
+                    <a:lstStyle/>
+                    <a:p>
+                      <a:r>
+                        <a:t>1</a:t>
+                      </a:r>
+                    </a:p>
+                  </a:txBody>
+                  <a:tcPr/>
+                </a:tc>
+                <a:tc>
+                  <a:txBody>
+                    <a:bodyPr/>
+                    <a:lstStyle/>
+                    <a:p>
+                      <a:r>
+                        <a:t>0</a:t>
+                      </a:r>
+                    </a:p>
+                  </a:txBody>
+                  <a:tcPr/>
+                </a:tc>
+                <a:tc>
+                  <a:txBody>
+                    <a:bodyPr/>
+                    <a:lstStyle/>
+                    <a:p>
+                      <a:r>
+                        <a:t>1</a:t>
+                      </a:r>
+                    </a:p>
+                  </a:txBody>
+                  <a:tcPr/>
+                </a:tc>
+              </a:tr>
+              <a:tr h="76200">
+                <a:tc>
+                  <a:txBody>
+                    <a:bodyPr/>
+                    <a:lstStyle/>
+                    <a:p>
+                      <a:r>
+                        <a:t>PROACTIVE NOTIFICATIONS</a:t>
+                      </a:r>
+                    </a:p>
+                  </a:txBody>
+                  <a:tcPr/>
+                </a:tc>
+                <a:tc>
+                  <a:txBody>
+                    <a:bodyPr/>
+                    <a:lstStyle/>
+                    <a:p>
+                      <a:r>
+                        <a:t>12</a:t>
+                      </a:r>
+                    </a:p>
+                  </a:txBody>
+                  <a:tcPr/>
+                </a:tc>
+                <a:tc>
+                  <a:txBody>
+                    <a:bodyPr/>
+                    <a:lstStyle/>
+                    <a:p>
+                      <a:r>
+                        <a:t>4</a:t>
+                      </a:r>
+                    </a:p>
+                  </a:txBody>
+                  <a:tcPr/>
+                </a:tc>
+                <a:tc>
+                  <a:txBody>
+                    <a:bodyPr/>
+                    <a:lstStyle/>
+                    <a:p>
+                      <a:r>
+                        <a:t>8</a:t>
+                      </a:r>
+                    </a:p>
+                  </a:txBody>
+                  <a:tcPr/>
+                </a:tc>
+              </a:tr>
+              <a:tr h="76200">
+                <a:tc>
+                  <a:txBody>
+                    <a:bodyPr/>
+                    <a:lstStyle/>
+                    <a:p>
+                      <a:r>
+                        <a:t>REPORT</a:t>
+                      </a:r>
+                    </a:p>
+                  </a:txBody>
+                  <a:tcPr/>
+                </a:tc>
+                <a:tc>
+                  <a:txBody>
+                    <a:bodyPr/>
+                    <a:lstStyle/>
+                    <a:p>
+                      <a:r>
+                        <a:t>6</a:t>
+                      </a:r>
+                    </a:p>
+                  </a:txBody>
+                  <a:tcPr/>
+                </a:tc>
+                <a:tc>
+                  <a:txBody>
+                    <a:bodyPr/>
+                    <a:lstStyle/>
+                    <a:p>
+                      <a:r>
+                        <a:t>2</a:t>
+                      </a:r>
+                    </a:p>
+                  </a:txBody>
+                  <a:tcPr/>
+                </a:tc>
+                <a:tc>
+                  <a:txBody>
+                    <a:bodyPr/>
+                    <a:lstStyle/>
+                    <a:p>
+                      <a:r>
+                        <a:t>4</a:t>
+                      </a:r>
+                    </a:p>
+                  </a:txBody>
+                  <a:tcPr/>
+                </a:tc>
+              </a:tr>
+              <a:tr h="76200">
+                <a:tc>
+                  <a:txBody>
+                    <a:bodyPr/>
+                    <a:lstStyle/>
+                    <a:p>
+                      <a:r>
+                        <a:t>SERVICE IMPROVEMENT</a:t>
+                      </a:r>
+                    </a:p>
+                  </a:txBody>
+                  <a:tcPr/>
+                </a:tc>
+                <a:tc>
+                  <a:txBody>
+                    <a:bodyPr/>
+                    <a:lstStyle/>
+                    <a:p>
+                      <a:r>
+                        <a:t>1</a:t>
+                      </a:r>
+                    </a:p>
+                  </a:txBody>
+                  <a:tcPr/>
+                </a:tc>
+                <a:tc>
+                  <a:txBody>
+                    <a:bodyPr/>
+                    <a:lstStyle/>
+                    <a:p>
+                      <a:r>
+                        <a:t>0</a:t>
+                      </a:r>
+                    </a:p>
+                  </a:txBody>
+                  <a:tcPr/>
+                </a:tc>
+                <a:tc>
+                  <a:txBody>
+                    <a:bodyPr/>
+                    <a:lstStyle/>
+                    <a:p>
+                      <a:r>
+                        <a:t>1</a:t>
+                      </a:r>
+                    </a:p>
+                  </a:txBody>
+                  <a:tcPr/>
+                </a:tc>
+              </a:tr>
+              <a:tr h="76200">
+                <a:tc>
+                  <a:txBody>
+                    <a:bodyPr/>
+                    <a:lstStyle/>
+                    <a:p>
+                      <a:r>
+                        <a:t>SERVICE REQUEST</a:t>
                       </a:r>
                     </a:p>
                   </a:txBody>
@@ -3675,307 +4125,7 @@
                     <a:lstStyle/>
                     <a:p>
                       <a:r>
-                        <a:t>2</a:t>
-                      </a:r>
-                    </a:p>
-                  </a:txBody>
-                  <a:tcPr/>
-                </a:tc>
-                <a:tc>
-                  <a:txBody>
-                    <a:bodyPr/>
-                    <a:lstStyle/>
-                    <a:p>
-                      <a:r>
-                        <a:t>3</a:t>
-                      </a:r>
-                    </a:p>
-                  </a:txBody>
-                  <a:tcPr/>
-                </a:tc>
-              </a:tr>
-              <a:tr h="101600">
-                <a:tc>
-                  <a:txBody>
-                    <a:bodyPr/>
-                    <a:lstStyle/>
-                    <a:p>
-                      <a:r>
-                        <a:t>INFORMATION</a:t>
-                      </a:r>
-                    </a:p>
-                  </a:txBody>
-                  <a:tcPr/>
-                </a:tc>
-                <a:tc>
-                  <a:txBody>
-                    <a:bodyPr/>
-                    <a:lstStyle/>
-                    <a:p>
-                      <a:r>
-                        <a:t>49</a:t>
-                      </a:r>
-                    </a:p>
-                  </a:txBody>
-                  <a:tcPr/>
-                </a:tc>
-                <a:tc>
-                  <a:txBody>
-                    <a:bodyPr/>
-                    <a:lstStyle/>
-                    <a:p>
-                      <a:r>
-                        <a:t>48</a:t>
-                      </a:r>
-                    </a:p>
-                  </a:txBody>
-                  <a:tcPr/>
-                </a:tc>
-                <a:tc>
-                  <a:txBody>
-                    <a:bodyPr/>
-                    <a:lstStyle/>
-                    <a:p>
-                      <a:r>
-                        <a:t>1</a:t>
-                      </a:r>
-                    </a:p>
-                  </a:txBody>
-                  <a:tcPr/>
-                </a:tc>
-              </a:tr>
-              <a:tr h="101600">
-                <a:tc>
-                  <a:txBody>
-                    <a:bodyPr/>
-                    <a:lstStyle/>
-                    <a:p>
-                      <a:r>
-                        <a:t>JUNK</a:t>
-                      </a:r>
-                    </a:p>
-                  </a:txBody>
-                  <a:tcPr/>
-                </a:tc>
-                <a:tc>
-                  <a:txBody>
-                    <a:bodyPr/>
-                    <a:lstStyle/>
-                    <a:p>
-                      <a:r>
-                        <a:t>2</a:t>
-                      </a:r>
-                    </a:p>
-                  </a:txBody>
-                  <a:tcPr/>
-                </a:tc>
-                <a:tc>
-                  <a:txBody>
-                    <a:bodyPr/>
-                    <a:lstStyle/>
-                    <a:p>
-                      <a:r>
-                        <a:t>2</a:t>
-                      </a:r>
-                    </a:p>
-                  </a:txBody>
-                  <a:tcPr/>
-                </a:tc>
-                <a:tc>
-                  <a:txBody>
-                    <a:bodyPr/>
-                    <a:lstStyle/>
-                    <a:p>
-                      <a:r>
-                        <a:t>0</a:t>
-                      </a:r>
-                    </a:p>
-                  </a:txBody>
-                  <a:tcPr/>
-                </a:tc>
-              </a:tr>
-              <a:tr h="101600">
-                <a:tc>
-                  <a:txBody>
-                    <a:bodyPr/>
-                    <a:lstStyle/>
-                    <a:p>
-                      <a:r>
-                        <a:t>MAINTENANCE</a:t>
-                      </a:r>
-                    </a:p>
-                  </a:txBody>
-                  <a:tcPr/>
-                </a:tc>
-                <a:tc>
-                  <a:txBody>
-                    <a:bodyPr/>
-                    <a:lstStyle/>
-                    <a:p>
-                      <a:r>
-                        <a:t>6</a:t>
-                      </a:r>
-                    </a:p>
-                  </a:txBody>
-                  <a:tcPr/>
-                </a:tc>
-                <a:tc>
-                  <a:txBody>
-                    <a:bodyPr/>
-                    <a:lstStyle/>
-                    <a:p>
-                      <a:r>
-                        <a:t>6</a:t>
-                      </a:r>
-                    </a:p>
-                  </a:txBody>
-                  <a:tcPr/>
-                </a:tc>
-                <a:tc>
-                  <a:txBody>
-                    <a:bodyPr/>
-                    <a:lstStyle/>
-                    <a:p>
-                      <a:r>
-                        <a:t>0</a:t>
-                      </a:r>
-                    </a:p>
-                  </a:txBody>
-                  <a:tcPr/>
-                </a:tc>
-              </a:tr>
-              <a:tr h="101600">
-                <a:tc>
-                  <a:txBody>
-                    <a:bodyPr/>
-                    <a:lstStyle/>
-                    <a:p>
-                      <a:r>
-                        <a:t>PROACTIVE NOTIFICATIONS</a:t>
-                      </a:r>
-                    </a:p>
-                  </a:txBody>
-                  <a:tcPr/>
-                </a:tc>
-                <a:tc>
-                  <a:txBody>
-                    <a:bodyPr/>
-                    <a:lstStyle/>
-                    <a:p>
-                      <a:r>
-                        <a:t>7</a:t>
-                      </a:r>
-                    </a:p>
-                  </a:txBody>
-                  <a:tcPr/>
-                </a:tc>
-                <a:tc>
-                  <a:txBody>
-                    <a:bodyPr/>
-                    <a:lstStyle/>
-                    <a:p>
-                      <a:r>
                         <a:t>5</a:t>
-                      </a:r>
-                    </a:p>
-                  </a:txBody>
-                  <a:tcPr/>
-                </a:tc>
-                <a:tc>
-                  <a:txBody>
-                    <a:bodyPr/>
-                    <a:lstStyle/>
-                    <a:p>
-                      <a:r>
-                        <a:t>2</a:t>
-                      </a:r>
-                    </a:p>
-                  </a:txBody>
-                  <a:tcPr/>
-                </a:tc>
-              </a:tr>
-              <a:tr h="101600">
-                <a:tc>
-                  <a:txBody>
-                    <a:bodyPr/>
-                    <a:lstStyle/>
-                    <a:p>
-                      <a:r>
-                        <a:t>REPORT</a:t>
-                      </a:r>
-                    </a:p>
-                  </a:txBody>
-                  <a:tcPr/>
-                </a:tc>
-                <a:tc>
-                  <a:txBody>
-                    <a:bodyPr/>
-                    <a:lstStyle/>
-                    <a:p>
-                      <a:r>
-                        <a:t>3</a:t>
-                      </a:r>
-                    </a:p>
-                  </a:txBody>
-                  <a:tcPr/>
-                </a:tc>
-                <a:tc>
-                  <a:txBody>
-                    <a:bodyPr/>
-                    <a:lstStyle/>
-                    <a:p>
-                      <a:r>
-                        <a:t>3</a:t>
-                      </a:r>
-                    </a:p>
-                  </a:txBody>
-                  <a:tcPr/>
-                </a:tc>
-                <a:tc>
-                  <a:txBody>
-                    <a:bodyPr/>
-                    <a:lstStyle/>
-                    <a:p>
-                      <a:r>
-                        <a:t>0</a:t>
-                      </a:r>
-                    </a:p>
-                  </a:txBody>
-                  <a:tcPr/>
-                </a:tc>
-              </a:tr>
-              <a:tr h="101600">
-                <a:tc>
-                  <a:txBody>
-                    <a:bodyPr/>
-                    <a:lstStyle/>
-                    <a:p>
-                      <a:r>
-                        <a:t>SERVICE REQUEST</a:t>
-                      </a:r>
-                    </a:p>
-                  </a:txBody>
-                  <a:tcPr/>
-                </a:tc>
-                <a:tc>
-                  <a:txBody>
-                    <a:bodyPr/>
-                    <a:lstStyle/>
-                    <a:p>
-                      <a:r>
-                        <a:t>2</a:t>
-                      </a:r>
-                    </a:p>
-                  </a:txBody>
-                  <a:tcPr/>
-                </a:tc>
-                <a:tc>
-                  <a:txBody>
-                    <a:bodyPr/>
-                    <a:lstStyle/>
-                    <a:p>
-                      <a:r>
-                        <a:t>2</a:t>
                       </a:r>
                     </a:p>
                   </a:txBody>
@@ -4073,7 +4223,7 @@
               <a:defRPr sz="1800"/>
             </a:pPr>
             <a:r>
-              <a:t>JANUARY -2023  PROACTIVE NOTIFICATIONS ALERT RELATED – 7 CALLS</a:t>
+              <a:t>JANUARY -2023  PROACTIVE NOTIFICATIONS ALERT RELATED – 12 CALLS</a:t>
             </a:r>
           </a:p>
         </p:txBody>
@@ -4103,7 +4253,7 @@
                 <a:gridCol w="1280160"/>
                 <a:gridCol w="1280160"/>
               </a:tblGrid>
-              <a:tr h="57150">
+              <a:tr h="41563">
                 <a:tc>
                   <a:txBody>
                     <a:bodyPr/>
@@ -4180,7 +4330,7 @@
                   <a:tcPr/>
                 </a:tc>
               </a:tr>
-              <a:tr h="57150">
+              <a:tr h="41563">
                 <a:tc>
                   <a:txBody>
                     <a:bodyPr/>
@@ -4257,7 +4407,7 @@
                   <a:tcPr/>
                 </a:tc>
               </a:tr>
-              <a:tr h="57150">
+              <a:tr h="41563">
                 <a:tc>
                   <a:txBody>
                     <a:bodyPr/>
@@ -4267,6 +4417,83 @@
                         <a:defRPr sz="1500"/>
                       </a:pPr>
                       <a:r>
+                        <a:t>BILLING &amp; SOLUTIONS</a:t>
+                      </a:r>
+                    </a:p>
+                  </a:txBody>
+                  <a:tcPr/>
+                </a:tc>
+                <a:tc>
+                  <a:txBody>
+                    <a:bodyPr/>
+                    <a:lstStyle/>
+                    <a:p>
+                      <a:pPr>
+                        <a:defRPr sz="1500"/>
+                      </a:pPr>
+                      <a:r>
+                        <a:t>0</a:t>
+                      </a:r>
+                    </a:p>
+                  </a:txBody>
+                  <a:tcPr/>
+                </a:tc>
+                <a:tc>
+                  <a:txBody>
+                    <a:bodyPr/>
+                    <a:lstStyle/>
+                    <a:p>
+                      <a:pPr>
+                        <a:defRPr sz="1500"/>
+                      </a:pPr>
+                      <a:r>
+                        <a:t>0</a:t>
+                      </a:r>
+                    </a:p>
+                  </a:txBody>
+                  <a:tcPr/>
+                </a:tc>
+                <a:tc>
+                  <a:txBody>
+                    <a:bodyPr/>
+                    <a:lstStyle/>
+                    <a:p>
+                      <a:pPr>
+                        <a:defRPr sz="1500"/>
+                      </a:pPr>
+                      <a:r>
+                        <a:t>0</a:t>
+                      </a:r>
+                    </a:p>
+                  </a:txBody>
+                  <a:tcPr/>
+                </a:tc>
+                <a:tc>
+                  <a:txBody>
+                    <a:bodyPr/>
+                    <a:lstStyle/>
+                    <a:p>
+                      <a:pPr>
+                        <a:defRPr sz="1500"/>
+                      </a:pPr>
+                      <a:r>
+                        <a:t>0</a:t>
+                      </a:r>
+                    </a:p>
+                  </a:txBody>
+                  <a:tcPr/>
+                </a:tc>
+              </a:tr>
+              <a:tr h="41563">
+                <a:tc>
+                  <a:txBody>
+                    <a:bodyPr/>
+                    <a:lstStyle/>
+                    <a:p>
+                      <a:pPr>
+                        <a:defRPr sz="1500"/>
+                      </a:pPr>
+                      <a:r>
                         <a:t>INCIDENT</a:t>
                       </a:r>
                     </a:p>
@@ -4334,7 +4561,7 @@
                   <a:tcPr/>
                 </a:tc>
               </a:tr>
-              <a:tr h="57150">
+              <a:tr h="41563">
                 <a:tc>
                   <a:txBody>
                     <a:bodyPr/>
@@ -4411,7 +4638,7 @@
                   <a:tcPr/>
                 </a:tc>
               </a:tr>
-              <a:tr h="57150">
+              <a:tr h="41563">
                 <a:tc>
                   <a:txBody>
                     <a:bodyPr/>
@@ -4488,7 +4715,7 @@
                   <a:tcPr/>
                 </a:tc>
               </a:tr>
-              <a:tr h="57150">
+              <a:tr h="41563">
                 <a:tc>
                   <a:txBody>
                     <a:bodyPr/>
@@ -4498,6 +4725,83 @@
                         <a:defRPr sz="1500"/>
                       </a:pPr>
                       <a:r>
+                        <a:t>ON-BOARDING</a:t>
+                      </a:r>
+                    </a:p>
+                  </a:txBody>
+                  <a:tcPr/>
+                </a:tc>
+                <a:tc>
+                  <a:txBody>
+                    <a:bodyPr/>
+                    <a:lstStyle/>
+                    <a:p>
+                      <a:pPr>
+                        <a:defRPr sz="1500"/>
+                      </a:pPr>
+                      <a:r>
+                        <a:t>0</a:t>
+                      </a:r>
+                    </a:p>
+                  </a:txBody>
+                  <a:tcPr/>
+                </a:tc>
+                <a:tc>
+                  <a:txBody>
+                    <a:bodyPr/>
+                    <a:lstStyle/>
+                    <a:p>
+                      <a:pPr>
+                        <a:defRPr sz="1500"/>
+                      </a:pPr>
+                      <a:r>
+                        <a:t>0</a:t>
+                      </a:r>
+                    </a:p>
+                  </a:txBody>
+                  <a:tcPr/>
+                </a:tc>
+                <a:tc>
+                  <a:txBody>
+                    <a:bodyPr/>
+                    <a:lstStyle/>
+                    <a:p>
+                      <a:pPr>
+                        <a:defRPr sz="1500"/>
+                      </a:pPr>
+                      <a:r>
+                        <a:t>0</a:t>
+                      </a:r>
+                    </a:p>
+                  </a:txBody>
+                  <a:tcPr/>
+                </a:tc>
+                <a:tc>
+                  <a:txBody>
+                    <a:bodyPr/>
+                    <a:lstStyle/>
+                    <a:p>
+                      <a:pPr>
+                        <a:defRPr sz="1500"/>
+                      </a:pPr>
+                      <a:r>
+                        <a:t>0</a:t>
+                      </a:r>
+                    </a:p>
+                  </a:txBody>
+                  <a:tcPr/>
+                </a:tc>
+              </a:tr>
+              <a:tr h="41563">
+                <a:tc>
+                  <a:txBody>
+                    <a:bodyPr/>
+                    <a:lstStyle/>
+                    <a:p>
+                      <a:pPr>
+                        <a:defRPr sz="1500"/>
+                      </a:pPr>
+                      <a:r>
                         <a:t>PROACTIVE NOTIFICATIONS</a:t>
                       </a:r>
                     </a:p>
@@ -4528,7 +4832,7 @@
                         <a:defRPr sz="1500"/>
                       </a:pPr>
                       <a:r>
-                        <a:t>7</a:t>
+                        <a:t>12</a:t>
                       </a:r>
                     </a:p>
                   </a:txBody>
@@ -4558,14 +4862,14 @@
                         <a:defRPr sz="1500"/>
                       </a:pPr>
                       <a:r>
-                        <a:t>7</a:t>
+                        <a:t>12</a:t>
                       </a:r>
                     </a:p>
                   </a:txBody>
                   <a:tcPr/>
                 </a:tc>
               </a:tr>
-              <a:tr h="57150">
+              <a:tr h="41563">
                 <a:tc>
                   <a:txBody>
                     <a:bodyPr/>
@@ -4642,7 +4946,7 @@
                   <a:tcPr/>
                 </a:tc>
               </a:tr>
-              <a:tr h="57150">
+              <a:tr h="41563">
                 <a:tc>
                   <a:txBody>
                     <a:bodyPr/>
@@ -4652,6 +4956,83 @@
                         <a:defRPr sz="1500"/>
                       </a:pPr>
                       <a:r>
+                        <a:t>SERVICE IMPROVEMENT</a:t>
+                      </a:r>
+                    </a:p>
+                  </a:txBody>
+                  <a:tcPr/>
+                </a:tc>
+                <a:tc>
+                  <a:txBody>
+                    <a:bodyPr/>
+                    <a:lstStyle/>
+                    <a:p>
+                      <a:pPr>
+                        <a:defRPr sz="1500"/>
+                      </a:pPr>
+                      <a:r>
+                        <a:t>0</a:t>
+                      </a:r>
+                    </a:p>
+                  </a:txBody>
+                  <a:tcPr/>
+                </a:tc>
+                <a:tc>
+                  <a:txBody>
+                    <a:bodyPr/>
+                    <a:lstStyle/>
+                    <a:p>
+                      <a:pPr>
+                        <a:defRPr sz="1500"/>
+                      </a:pPr>
+                      <a:r>
+                        <a:t>0</a:t>
+                      </a:r>
+                    </a:p>
+                  </a:txBody>
+                  <a:tcPr/>
+                </a:tc>
+                <a:tc>
+                  <a:txBody>
+                    <a:bodyPr/>
+                    <a:lstStyle/>
+                    <a:p>
+                      <a:pPr>
+                        <a:defRPr sz="1500"/>
+                      </a:pPr>
+                      <a:r>
+                        <a:t>0</a:t>
+                      </a:r>
+                    </a:p>
+                  </a:txBody>
+                  <a:tcPr/>
+                </a:tc>
+                <a:tc>
+                  <a:txBody>
+                    <a:bodyPr/>
+                    <a:lstStyle/>
+                    <a:p>
+                      <a:pPr>
+                        <a:defRPr sz="1500"/>
+                      </a:pPr>
+                      <a:r>
+                        <a:t>0</a:t>
+                      </a:r>
+                    </a:p>
+                  </a:txBody>
+                  <a:tcPr/>
+                </a:tc>
+              </a:tr>
+              <a:tr h="41570">
+                <a:tc>
+                  <a:txBody>
+                    <a:bodyPr/>
+                    <a:lstStyle/>
+                    <a:p>
+                      <a:pPr>
+                        <a:defRPr sz="1500"/>
+                      </a:pPr>
+                      <a:r>
                         <a:t>SERVICE REQUEST</a:t>
                       </a:r>
                     </a:p>
@@ -4697,7 +5078,7 @@
                         <a:defRPr sz="1500"/>
                       </a:pPr>
                       <a:r>
-                        <a:t>2</a:t>
+                        <a:t>5</a:t>
                       </a:r>
                     </a:p>
                   </a:txBody>
@@ -4712,7 +5093,7 @@
                         <a:defRPr sz="1500"/>
                       </a:pPr>
                       <a:r>
-                        <a:t>2</a:t>
+                        <a:t>5</a:t>
                       </a:r>
                     </a:p>
                   </a:txBody>
@@ -5195,7 +5576,7 @@
                         <a:defRPr sz="1300"/>
                       </a:pPr>
                       <a:r>
-                        <a:t>19.0</a:t>
+                        <a:t>20.0</a:t>
                       </a:r>
                     </a:p>
                   </a:txBody>
@@ -5240,22 +5621,22 @@
                         <a:defRPr sz="1300"/>
                       </a:pPr>
                       <a:r>
-                        <a:t>29.0</a:t>
-                      </a:r>
-                    </a:p>
-                  </a:txBody>
-                  <a:tcPr/>
-                </a:tc>
-                <a:tc>
-                  <a:txBody>
-                    <a:bodyPr/>
-                    <a:lstStyle/>
-                    <a:p>
-                      <a:pPr>
-                        <a:defRPr sz="1300"/>
-                      </a:pPr>
-                      <a:r>
-                        <a:t>346.0</a:t>
+                        <a:t>18.0</a:t>
+                      </a:r>
+                    </a:p>
+                  </a:txBody>
+                  <a:tcPr/>
+                </a:tc>
+                <a:tc>
+                  <a:txBody>
+                    <a:bodyPr/>
+                    <a:lstStyle/>
+                    <a:p>
+                      <a:pPr>
+                        <a:defRPr sz="1300"/>
+                      </a:pPr>
+                      <a:r>
+                        <a:t>370.0</a:t>
                       </a:r>
                     </a:p>
                   </a:txBody>
@@ -5287,7 +5668,7 @@
                         <a:defRPr sz="1300"/>
                       </a:pPr>
                       <a:r>
-                        <a:t>19.0</a:t>
+                        <a:t>20.0</a:t>
                       </a:r>
                     </a:p>
                   </a:txBody>
@@ -5332,22 +5713,22 @@
                         <a:defRPr sz="1300"/>
                       </a:pPr>
                       <a:r>
-                        <a:t>27.0</a:t>
-                      </a:r>
-                    </a:p>
-                  </a:txBody>
-                  <a:tcPr/>
-                </a:tc>
-                <a:tc>
-                  <a:txBody>
-                    <a:bodyPr/>
-                    <a:lstStyle/>
-                    <a:p>
-                      <a:pPr>
-                        <a:defRPr sz="1300"/>
-                      </a:pPr>
-                      <a:r>
-                        <a:t>326.0</a:t>
+                        <a:t>17.0</a:t>
+                      </a:r>
+                    </a:p>
+                  </a:txBody>
+                  <a:tcPr/>
+                </a:tc>
+                <a:tc>
+                  <a:txBody>
+                    <a:bodyPr/>
+                    <a:lstStyle/>
+                    <a:p>
+                      <a:pPr>
+                        <a:defRPr sz="1300"/>
+                      </a:pPr>
+                      <a:r>
+                        <a:t>350.0</a:t>
                       </a:r>
                     </a:p>
                   </a:txBody>
@@ -5424,7 +5805,7 @@
                         <a:defRPr sz="1300"/>
                       </a:pPr>
                       <a:r>
-                        <a:t>2.0</a:t>
+                        <a:t>1.0</a:t>
                       </a:r>
                     </a:p>
                   </a:txBody>
@@ -5667,52 +6048,52 @@
                         <a:defRPr sz="1300"/>
                       </a:pPr>
                       <a:r>
-                        <a:t>3.0</a:t>
-                      </a:r>
-                    </a:p>
-                  </a:txBody>
-                  <a:tcPr/>
-                </a:tc>
-                <a:tc>
-                  <a:txBody>
-                    <a:bodyPr/>
-                    <a:lstStyle/>
-                    <a:p>
-                      <a:pPr>
-                        <a:defRPr sz="1300"/>
-                      </a:pPr>
-                      <a:r>
-                        <a:t>66.0</a:t>
-                      </a:r>
-                    </a:p>
-                  </a:txBody>
-                  <a:tcPr/>
-                </a:tc>
-                <a:tc>
-                  <a:txBody>
-                    <a:bodyPr/>
-                    <a:lstStyle/>
-                    <a:p>
-                      <a:pPr>
-                        <a:defRPr sz="1300"/>
-                      </a:pPr>
-                      <a:r>
-                        <a:t>6.0</a:t>
-                      </a:r>
-                    </a:p>
-                  </a:txBody>
-                  <a:tcPr/>
-                </a:tc>
-                <a:tc>
-                  <a:txBody>
-                    <a:bodyPr/>
-                    <a:lstStyle/>
-                    <a:p>
-                      <a:pPr>
-                        <a:defRPr sz="1300"/>
-                      </a:pPr>
-                      <a:r>
-                        <a:t>24.0</a:t>
+                        <a:t>4.0</a:t>
+                      </a:r>
+                    </a:p>
+                  </a:txBody>
+                  <a:tcPr/>
+                </a:tc>
+                <a:tc>
+                  <a:txBody>
+                    <a:bodyPr/>
+                    <a:lstStyle/>
+                    <a:p>
+                      <a:pPr>
+                        <a:defRPr sz="1300"/>
+                      </a:pPr>
+                      <a:r>
+                        <a:t>69.0</a:t>
+                      </a:r>
+                    </a:p>
+                  </a:txBody>
+                  <a:tcPr/>
+                </a:tc>
+                <a:tc>
+                  <a:txBody>
+                    <a:bodyPr/>
+                    <a:lstStyle/>
+                    <a:p>
+                      <a:pPr>
+                        <a:defRPr sz="1300"/>
+                      </a:pPr>
+                      <a:r>
+                        <a:t>4.0</a:t>
+                      </a:r>
+                    </a:p>
+                  </a:txBody>
+                  <a:tcPr/>
+                </a:tc>
+                <a:tc>
+                  <a:txBody>
+                    <a:bodyPr/>
+                    <a:lstStyle/>
+                    <a:p>
+                      <a:pPr>
+                        <a:defRPr sz="1300"/>
+                      </a:pPr>
+                      <a:r>
+                        <a:t>27.0</a:t>
                       </a:r>
                     </a:p>
                   </a:txBody>
@@ -5759,52 +6140,52 @@
                         <a:defRPr sz="1300"/>
                       </a:pPr>
                       <a:r>
-                        <a:t>3.0</a:t>
-                      </a:r>
-                    </a:p>
-                  </a:txBody>
-                  <a:tcPr/>
-                </a:tc>
-                <a:tc>
-                  <a:txBody>
-                    <a:bodyPr/>
-                    <a:lstStyle/>
-                    <a:p>
-                      <a:pPr>
-                        <a:defRPr sz="1300"/>
-                      </a:pPr>
-                      <a:r>
-                        <a:t>62.0</a:t>
-                      </a:r>
-                    </a:p>
-                  </a:txBody>
-                  <a:tcPr/>
-                </a:tc>
-                <a:tc>
-                  <a:txBody>
-                    <a:bodyPr/>
-                    <a:lstStyle/>
-                    <a:p>
-                      <a:pPr>
-                        <a:defRPr sz="1300"/>
-                      </a:pPr>
-                      <a:r>
-                        <a:t>6.0</a:t>
-                      </a:r>
-                    </a:p>
-                  </a:txBody>
-                  <a:tcPr/>
-                </a:tc>
-                <a:tc>
-                  <a:txBody>
-                    <a:bodyPr/>
-                    <a:lstStyle/>
-                    <a:p>
-                      <a:pPr>
-                        <a:defRPr sz="1300"/>
-                      </a:pPr>
-                      <a:r>
-                        <a:t>23.0</a:t>
+                        <a:t>4.0</a:t>
+                      </a:r>
+                    </a:p>
+                  </a:txBody>
+                  <a:tcPr/>
+                </a:tc>
+                <a:tc>
+                  <a:txBody>
+                    <a:bodyPr/>
+                    <a:lstStyle/>
+                    <a:p>
+                      <a:pPr>
+                        <a:defRPr sz="1300"/>
+                      </a:pPr>
+                      <a:r>
+                        <a:t>64.0</a:t>
+                      </a:r>
+                    </a:p>
+                  </a:txBody>
+                  <a:tcPr/>
+                </a:tc>
+                <a:tc>
+                  <a:txBody>
+                    <a:bodyPr/>
+                    <a:lstStyle/>
+                    <a:p>
+                      <a:pPr>
+                        <a:defRPr sz="1300"/>
+                      </a:pPr>
+                      <a:r>
+                        <a:t>4.0</a:t>
+                      </a:r>
+                    </a:p>
+                  </a:txBody>
+                  <a:tcPr/>
+                </a:tc>
+                <a:tc>
+                  <a:txBody>
+                    <a:bodyPr/>
+                    <a:lstStyle/>
+                    <a:p>
+                      <a:pPr>
+                        <a:defRPr sz="1300"/>
+                      </a:pPr>
+                      <a:r>
+                        <a:t>26.0</a:t>
                       </a:r>
                     </a:p>
                   </a:txBody>
@@ -5866,7 +6247,7 @@
                         <a:defRPr sz="1300"/>
                       </a:pPr>
                       <a:r>
-                        <a:t>4.0</a:t>
+                        <a:t>5.0</a:t>
                       </a:r>
                     </a:p>
                   </a:txBody>
@@ -6173,37 +6554,37 @@
                         <a:defRPr sz="1300"/>
                       </a:pPr>
                       <a:r>
-                        <a:t>217</a:t>
-                      </a:r>
-                    </a:p>
-                  </a:txBody>
-                  <a:tcPr/>
-                </a:tc>
-                <a:tc>
-                  <a:txBody>
-                    <a:bodyPr/>
-                    <a:lstStyle/>
-                    <a:p>
-                      <a:pPr>
-                        <a:defRPr sz="1300"/>
-                      </a:pPr>
-                      <a:r>
-                        <a:t>153</a:t>
-                      </a:r>
-                    </a:p>
-                  </a:txBody>
-                  <a:tcPr/>
-                </a:tc>
-                <a:tc>
-                  <a:txBody>
-                    <a:bodyPr/>
-                    <a:lstStyle/>
-                    <a:p>
-                      <a:pPr>
-                        <a:defRPr sz="1300"/>
-                      </a:pPr>
-                      <a:r>
-                        <a:t>64</a:t>
+                        <a:t>203</a:t>
+                      </a:r>
+                    </a:p>
+                  </a:txBody>
+                  <a:tcPr/>
+                </a:tc>
+                <a:tc>
+                  <a:txBody>
+                    <a:bodyPr/>
+                    <a:lstStyle/>
+                    <a:p>
+                      <a:pPr>
+                        <a:defRPr sz="1300"/>
+                      </a:pPr>
+                      <a:r>
+                        <a:t>156</a:t>
+                      </a:r>
+                    </a:p>
+                  </a:txBody>
+                  <a:tcPr/>
+                </a:tc>
+                <a:tc>
+                  <a:txBody>
+                    <a:bodyPr/>
+                    <a:lstStyle/>
+                    <a:p>
+                      <a:pPr>
+                        <a:defRPr sz="1300"/>
+                      </a:pPr>
+                      <a:r>
+                        <a:t>47</a:t>
                       </a:r>
                     </a:p>
                   </a:txBody>
@@ -6233,7 +6614,7 @@
                         <a:defRPr sz="1300"/>
                       </a:pPr>
                       <a:r>
-                        <a:t>29.49</a:t>
+                        <a:t>23.15</a:t>
                       </a:r>
                     </a:p>
                   </a:txBody>
@@ -6387,37 +6768,37 @@
                         <a:defRPr sz="1300"/>
                       </a:pPr>
                       <a:r>
-                        <a:t>123</a:t>
-                      </a:r>
-                    </a:p>
-                  </a:txBody>
-                  <a:tcPr/>
-                </a:tc>
-                <a:tc>
-                  <a:txBody>
-                    <a:bodyPr/>
-                    <a:lstStyle/>
-                    <a:p>
-                      <a:pPr>
-                        <a:defRPr sz="1300"/>
-                      </a:pPr>
-                      <a:r>
-                        <a:t>81</a:t>
-                      </a:r>
-                    </a:p>
-                  </a:txBody>
-                  <a:tcPr/>
-                </a:tc>
-                <a:tc>
-                  <a:txBody>
-                    <a:bodyPr/>
-                    <a:lstStyle/>
-                    <a:p>
-                      <a:pPr>
-                        <a:defRPr sz="1300"/>
-                      </a:pPr>
-                      <a:r>
-                        <a:t>42</a:t>
+                        <a:t>83</a:t>
+                      </a:r>
+                    </a:p>
+                  </a:txBody>
+                  <a:tcPr/>
+                </a:tc>
+                <a:tc>
+                  <a:txBody>
+                    <a:bodyPr/>
+                    <a:lstStyle/>
+                    <a:p>
+                      <a:pPr>
+                        <a:defRPr sz="1300"/>
+                      </a:pPr>
+                      <a:r>
+                        <a:t>57</a:t>
+                      </a:r>
+                    </a:p>
+                  </a:txBody>
+                  <a:tcPr/>
+                </a:tc>
+                <a:tc>
+                  <a:txBody>
+                    <a:bodyPr/>
+                    <a:lstStyle/>
+                    <a:p>
+                      <a:pPr>
+                        <a:defRPr sz="1300"/>
+                      </a:pPr>
+                      <a:r>
+                        <a:t>26</a:t>
                       </a:r>
                     </a:p>
                   </a:txBody>
@@ -6447,7 +6828,7 @@
                         <a:defRPr sz="1300"/>
                       </a:pPr>
                       <a:r>
-                        <a:t>34.15</a:t>
+                        <a:t>31.33</a:t>
                       </a:r>
                     </a:p>
                   </a:txBody>
@@ -6571,7 +6952,7 @@
                         <a:defRPr sz="1500"/>
                       </a:pPr>
                       <a:r>
-                        <a:t>November</a:t>
+                        <a:t>December</a:t>
                       </a:r>
                     </a:p>
                   </a:txBody>
@@ -6633,7 +7014,7 @@
                         <a:defRPr sz="1500"/>
                       </a:pPr>
                       <a:r>
-                        <a:t>113</a:t>
+                        <a:t>126</a:t>
                       </a:r>
                     </a:p>
                   </a:txBody>
@@ -6648,22 +7029,22 @@
                         <a:defRPr sz="1500"/>
                       </a:pPr>
                       <a:r>
+                        <a:t>138</a:t>
+                      </a:r>
+                    </a:p>
+                  </a:txBody>
+                  <a:tcPr/>
+                </a:tc>
+                <a:tc>
+                  <a:txBody>
+                    <a:bodyPr/>
+                    <a:lstStyle/>
+                    <a:p>
+                      <a:pPr>
+                        <a:defRPr sz="1500"/>
+                      </a:pPr>
+                      <a:r>
                         <a:t>127</a:t>
-                      </a:r>
-                    </a:p>
-                  </a:txBody>
-                  <a:tcPr/>
-                </a:tc>
-                <a:tc>
-                  <a:txBody>
-                    <a:bodyPr/>
-                    <a:lstStyle/>
-                    <a:p>
-                      <a:pPr>
-                        <a:defRPr sz="1500"/>
-                      </a:pPr>
-                      <a:r>
-                        <a:t>139</a:t>
                       </a:r>
                     </a:p>
                   </a:txBody>
@@ -6695,7 +7076,7 @@
                         <a:defRPr sz="1500"/>
                       </a:pPr>
                       <a:r>
-                        <a:t>219</a:t>
+                        <a:t>312</a:t>
                       </a:r>
                     </a:p>
                   </a:txBody>
@@ -6710,7 +7091,7 @@
                         <a:defRPr sz="1500"/>
                       </a:pPr>
                       <a:r>
-                        <a:t>308</a:t>
+                        <a:t>220</a:t>
                       </a:r>
                     </a:p>
                   </a:txBody>
@@ -6725,7 +7106,7 @@
                         <a:defRPr sz="1500"/>
                       </a:pPr>
                       <a:r>
-                        <a:t>220</a:t>
+                        <a:t>217</a:t>
                       </a:r>
                     </a:p>
                   </a:txBody>
@@ -6757,7 +7138,7 @@
                         <a:defRPr sz="1500"/>
                       </a:pPr>
                       <a:r>
-                        <a:t>158</a:t>
+                        <a:t>129</a:t>
                       </a:r>
                     </a:p>
                   </a:txBody>
@@ -6772,7 +7153,7 @@
                         <a:defRPr sz="1500"/>
                       </a:pPr>
                       <a:r>
-                        <a:t>127</a:t>
+                        <a:t>126</a:t>
                       </a:r>
                     </a:p>
                   </a:txBody>
@@ -6787,7 +7168,7 @@
                         <a:defRPr sz="1500"/>
                       </a:pPr>
                       <a:r>
-                        <a:t>125</a:t>
+                        <a:t>86</a:t>
                       </a:r>
                     </a:p>
                   </a:txBody>

--- a/reportsapp/ticket_data.pptx
+++ b/reportsapp/ticket_data.pptx
@@ -146,10 +146,10 @@
                   <c:v>December</c:v>
                 </c:pt>
                 <c:pt idx="1">
-                  <c:v>December</c:v>
+                  <c:v>January</c:v>
                 </c:pt>
                 <c:pt idx="2">
-                  <c:v>January</c:v>
+                  <c:v>February</c:v>
                 </c:pt>
               </c:strCache>
             </c:strRef>
@@ -167,7 +167,7 @@
                   <c:v>138.0</c:v>
                 </c:pt>
                 <c:pt idx="2">
-                  <c:v>127.0</c:v>
+                  <c:v>128.0</c:v>
                 </c:pt>
               </c:numCache>
             </c:numRef>
@@ -196,10 +196,10 @@
                   <c:v>December</c:v>
                 </c:pt>
                 <c:pt idx="1">
-                  <c:v>December</c:v>
+                  <c:v>January</c:v>
                 </c:pt>
                 <c:pt idx="2">
-                  <c:v>January</c:v>
+                  <c:v>February</c:v>
                 </c:pt>
               </c:strCache>
             </c:strRef>
@@ -246,10 +246,10 @@
                   <c:v>December</c:v>
                 </c:pt>
                 <c:pt idx="1">
-                  <c:v>December</c:v>
+                  <c:v>January</c:v>
                 </c:pt>
                 <c:pt idx="2">
-                  <c:v>January</c:v>
+                  <c:v>February</c:v>
                 </c:pt>
               </c:strCache>
             </c:strRef>
@@ -267,7 +267,7 @@
                   <c:v>126.0</c:v>
                 </c:pt>
                 <c:pt idx="2">
-                  <c:v>86.0</c:v>
+                  <c:v>87.0</c:v>
                 </c:pt>
               </c:numCache>
             </c:numRef>
@@ -3417,7 +3417,7 @@
           <a:lstStyle/>
           <a:p>
             <a:r>
-              <a:t>Date: 2023-03-01</a:t>
+              <a:t>Date: 2023-03-27</a:t>
             </a:r>
           </a:p>
         </p:txBody>
@@ -3544,7 +3544,7 @@
                 <a:gridCol w="1828800"/>
                 <a:gridCol w="1828800"/>
               </a:tblGrid>
-              <a:tr h="76200">
+              <a:tr h="101600">
                 <a:tc>
                   <a:txBody>
                     <a:bodyPr/>
@@ -3594,7 +3594,7 @@
                   <a:tcPr/>
                 </a:tc>
               </a:tr>
-              <a:tr h="76200">
+              <a:tr h="101600">
                 <a:tc>
                   <a:txBody>
                     <a:bodyPr/>
@@ -3613,7 +3613,19 @@
                     <a:lstStyle/>
                     <a:p>
                       <a:r>
-                        <a:t>13</a:t>
+                        <a:t>1</a:t>
+                      </a:r>
+                    </a:p>
+                  </a:txBody>
+                  <a:tcPr/>
+                </a:tc>
+                <a:tc>
+                  <a:txBody>
+                    <a:bodyPr/>
+                    <a:lstStyle/>
+                    <a:p>
+                      <a:r>
+                        <a:t>1</a:t>
                       </a:r>
                     </a:p>
                   </a:txBody>
@@ -3631,27 +3643,27 @@
                   </a:txBody>
                   <a:tcPr/>
                 </a:tc>
-                <a:tc>
-                  <a:txBody>
-                    <a:bodyPr/>
-                    <a:lstStyle/>
-                    <a:p>
-                      <a:r>
-                        <a:t>13</a:t>
-                      </a:r>
-                    </a:p>
-                  </a:txBody>
-                  <a:tcPr/>
-                </a:tc>
               </a:tr>
-              <a:tr h="76200">
-                <a:tc>
-                  <a:txBody>
-                    <a:bodyPr/>
-                    <a:lstStyle/>
-                    <a:p>
-                      <a:r>
-                        <a:t>BILLING &amp; SOLUTIONS</a:t>
+              <a:tr h="101600">
+                <a:tc>
+                  <a:txBody>
+                    <a:bodyPr/>
+                    <a:lstStyle/>
+                    <a:p>
+                      <a:r>
+                        <a:t>INCIDENT</a:t>
+                      </a:r>
+                    </a:p>
+                  </a:txBody>
+                  <a:tcPr/>
+                </a:tc>
+                <a:tc>
+                  <a:txBody>
+                    <a:bodyPr/>
+                    <a:lstStyle/>
+                    <a:p>
+                      <a:r>
+                        <a:t>3</a:t>
                       </a:r>
                     </a:p>
                   </a:txBody>
@@ -3675,6 +3687,82 @@
                     <a:lstStyle/>
                     <a:p>
                       <a:r>
+                        <a:t>1</a:t>
+                      </a:r>
+                    </a:p>
+                  </a:txBody>
+                  <a:tcPr/>
+                </a:tc>
+              </a:tr>
+              <a:tr h="101600">
+                <a:tc>
+                  <a:txBody>
+                    <a:bodyPr/>
+                    <a:lstStyle/>
+                    <a:p>
+                      <a:r>
+                        <a:t>INFORMATION</a:t>
+                      </a:r>
+                    </a:p>
+                  </a:txBody>
+                  <a:tcPr/>
+                </a:tc>
+                <a:tc>
+                  <a:txBody>
+                    <a:bodyPr/>
+                    <a:lstStyle/>
+                    <a:p>
+                      <a:r>
+                        <a:t>8</a:t>
+                      </a:r>
+                    </a:p>
+                  </a:txBody>
+                  <a:tcPr/>
+                </a:tc>
+                <a:tc>
+                  <a:txBody>
+                    <a:bodyPr/>
+                    <a:lstStyle/>
+                    <a:p>
+                      <a:r>
+                        <a:t>8</a:t>
+                      </a:r>
+                    </a:p>
+                  </a:txBody>
+                  <a:tcPr/>
+                </a:tc>
+                <a:tc>
+                  <a:txBody>
+                    <a:bodyPr/>
+                    <a:lstStyle/>
+                    <a:p>
+                      <a:r>
+                        <a:t>0</a:t>
+                      </a:r>
+                    </a:p>
+                  </a:txBody>
+                  <a:tcPr/>
+                </a:tc>
+              </a:tr>
+              <a:tr h="101600">
+                <a:tc>
+                  <a:txBody>
+                    <a:bodyPr/>
+                    <a:lstStyle/>
+                    <a:p>
+                      <a:r>
+                        <a:t>JUNK</a:t>
+                      </a:r>
+                    </a:p>
+                  </a:txBody>
+                  <a:tcPr/>
+                </a:tc>
+                <a:tc>
+                  <a:txBody>
+                    <a:bodyPr/>
+                    <a:lstStyle/>
+                    <a:p>
+                      <a:r>
                         <a:t>2</a:t>
                       </a:r>
                     </a:p>
@@ -3687,6 +3775,18 @@
                     <a:lstStyle/>
                     <a:p>
                       <a:r>
+                        <a:t>2</a:t>
+                      </a:r>
+                    </a:p>
+                  </a:txBody>
+                  <a:tcPr/>
+                </a:tc>
+                <a:tc>
+                  <a:txBody>
+                    <a:bodyPr/>
+                    <a:lstStyle/>
+                    <a:p>
+                      <a:r>
                         <a:t>0</a:t>
                       </a:r>
                     </a:p>
@@ -3694,14 +3794,64 @@
                   <a:tcPr/>
                 </a:tc>
               </a:tr>
-              <a:tr h="76200">
-                <a:tc>
-                  <a:txBody>
-                    <a:bodyPr/>
-                    <a:lstStyle/>
-                    <a:p>
-                      <a:r>
-                        <a:t>INCIDENT</a:t>
+              <a:tr h="101600">
+                <a:tc>
+                  <a:txBody>
+                    <a:bodyPr/>
+                    <a:lstStyle/>
+                    <a:p>
+                      <a:r>
+                        <a:t>MAINTENANCE</a:t>
+                      </a:r>
+                    </a:p>
+                  </a:txBody>
+                  <a:tcPr/>
+                </a:tc>
+                <a:tc>
+                  <a:txBody>
+                    <a:bodyPr/>
+                    <a:lstStyle/>
+                    <a:p>
+                      <a:r>
+                        <a:t>8</a:t>
+                      </a:r>
+                    </a:p>
+                  </a:txBody>
+                  <a:tcPr/>
+                </a:tc>
+                <a:tc>
+                  <a:txBody>
+                    <a:bodyPr/>
+                    <a:lstStyle/>
+                    <a:p>
+                      <a:r>
+                        <a:t>7</a:t>
+                      </a:r>
+                    </a:p>
+                  </a:txBody>
+                  <a:tcPr/>
+                </a:tc>
+                <a:tc>
+                  <a:txBody>
+                    <a:bodyPr/>
+                    <a:lstStyle/>
+                    <a:p>
+                      <a:r>
+                        <a:t>1</a:t>
+                      </a:r>
+                    </a:p>
+                  </a:txBody>
+                  <a:tcPr/>
+                </a:tc>
+              </a:tr>
+              <a:tr h="101600">
+                <a:tc>
+                  <a:txBody>
+                    <a:bodyPr/>
+                    <a:lstStyle/>
+                    <a:p>
+                      <a:r>
+                        <a:t>PROACTIVE NOTIFICATIONS</a:t>
                       </a:r>
                     </a:p>
                   </a:txBody>
@@ -3725,6 +3875,94 @@
                     <a:lstStyle/>
                     <a:p>
                       <a:r>
+                        <a:t>1</a:t>
+                      </a:r>
+                    </a:p>
+                  </a:txBody>
+                  <a:tcPr/>
+                </a:tc>
+                <a:tc>
+                  <a:txBody>
+                    <a:bodyPr/>
+                    <a:lstStyle/>
+                    <a:p>
+                      <a:r>
+                        <a:t>4</a:t>
+                      </a:r>
+                    </a:p>
+                  </a:txBody>
+                  <a:tcPr/>
+                </a:tc>
+              </a:tr>
+              <a:tr h="101600">
+                <a:tc>
+                  <a:txBody>
+                    <a:bodyPr/>
+                    <a:lstStyle/>
+                    <a:p>
+                      <a:r>
+                        <a:t>REPORT</a:t>
+                      </a:r>
+                    </a:p>
+                  </a:txBody>
+                  <a:tcPr/>
+                </a:tc>
+                <a:tc>
+                  <a:txBody>
+                    <a:bodyPr/>
+                    <a:lstStyle/>
+                    <a:p>
+                      <a:r>
+                        <a:t>4</a:t>
+                      </a:r>
+                    </a:p>
+                  </a:txBody>
+                  <a:tcPr/>
+                </a:tc>
+                <a:tc>
+                  <a:txBody>
+                    <a:bodyPr/>
+                    <a:lstStyle/>
+                    <a:p>
+                      <a:r>
+                        <a:t>4</a:t>
+                      </a:r>
+                    </a:p>
+                  </a:txBody>
+                  <a:tcPr/>
+                </a:tc>
+                <a:tc>
+                  <a:txBody>
+                    <a:bodyPr/>
+                    <a:lstStyle/>
+                    <a:p>
+                      <a:r>
+                        <a:t>0</a:t>
+                      </a:r>
+                    </a:p>
+                  </a:txBody>
+                  <a:tcPr/>
+                </a:tc>
+              </a:tr>
+              <a:tr h="101600">
+                <a:tc>
+                  <a:txBody>
+                    <a:bodyPr/>
+                    <a:lstStyle/>
+                    <a:p>
+                      <a:r>
+                        <a:t>SERVICE REQUEST</a:t>
+                      </a:r>
+                    </a:p>
+                  </a:txBody>
+                  <a:tcPr/>
+                </a:tc>
+                <a:tc>
+                  <a:txBody>
+                    <a:bodyPr/>
+                    <a:lstStyle/>
+                    <a:p>
+                      <a:r>
                         <a:t>3</a:t>
                       </a:r>
                     </a:p>
@@ -3737,407 +3975,19 @@
                     <a:lstStyle/>
                     <a:p>
                       <a:r>
+                        <a:t>1</a:t>
+                      </a:r>
+                    </a:p>
+                  </a:txBody>
+                  <a:tcPr/>
+                </a:tc>
+                <a:tc>
+                  <a:txBody>
+                    <a:bodyPr/>
+                    <a:lstStyle/>
+                    <a:p>
+                      <a:r>
                         <a:t>2</a:t>
-                      </a:r>
-                    </a:p>
-                  </a:txBody>
-                  <a:tcPr/>
-                </a:tc>
-              </a:tr>
-              <a:tr h="76200">
-                <a:tc>
-                  <a:txBody>
-                    <a:bodyPr/>
-                    <a:lstStyle/>
-                    <a:p>
-                      <a:r>
-                        <a:t>INFORMATION</a:t>
-                      </a:r>
-                    </a:p>
-                  </a:txBody>
-                  <a:tcPr/>
-                </a:tc>
-                <a:tc>
-                  <a:txBody>
-                    <a:bodyPr/>
-                    <a:lstStyle/>
-                    <a:p>
-                      <a:r>
-                        <a:t>13</a:t>
-                      </a:r>
-                    </a:p>
-                  </a:txBody>
-                  <a:tcPr/>
-                </a:tc>
-                <a:tc>
-                  <a:txBody>
-                    <a:bodyPr/>
-                    <a:lstStyle/>
-                    <a:p>
-                      <a:r>
-                        <a:t>13</a:t>
-                      </a:r>
-                    </a:p>
-                  </a:txBody>
-                  <a:tcPr/>
-                </a:tc>
-                <a:tc>
-                  <a:txBody>
-                    <a:bodyPr/>
-                    <a:lstStyle/>
-                    <a:p>
-                      <a:r>
-                        <a:t>0</a:t>
-                      </a:r>
-                    </a:p>
-                  </a:txBody>
-                  <a:tcPr/>
-                </a:tc>
-              </a:tr>
-              <a:tr h="76200">
-                <a:tc>
-                  <a:txBody>
-                    <a:bodyPr/>
-                    <a:lstStyle/>
-                    <a:p>
-                      <a:r>
-                        <a:t>JUNK</a:t>
-                      </a:r>
-                    </a:p>
-                  </a:txBody>
-                  <a:tcPr/>
-                </a:tc>
-                <a:tc>
-                  <a:txBody>
-                    <a:bodyPr/>
-                    <a:lstStyle/>
-                    <a:p>
-                      <a:r>
-                        <a:t>2</a:t>
-                      </a:r>
-                    </a:p>
-                  </a:txBody>
-                  <a:tcPr/>
-                </a:tc>
-                <a:tc>
-                  <a:txBody>
-                    <a:bodyPr/>
-                    <a:lstStyle/>
-                    <a:p>
-                      <a:r>
-                        <a:t>2</a:t>
-                      </a:r>
-                    </a:p>
-                  </a:txBody>
-                  <a:tcPr/>
-                </a:tc>
-                <a:tc>
-                  <a:txBody>
-                    <a:bodyPr/>
-                    <a:lstStyle/>
-                    <a:p>
-                      <a:r>
-                        <a:t>0</a:t>
-                      </a:r>
-                    </a:p>
-                  </a:txBody>
-                  <a:tcPr/>
-                </a:tc>
-              </a:tr>
-              <a:tr h="76200">
-                <a:tc>
-                  <a:txBody>
-                    <a:bodyPr/>
-                    <a:lstStyle/>
-                    <a:p>
-                      <a:r>
-                        <a:t>MAINTENANCE</a:t>
-                      </a:r>
-                    </a:p>
-                  </a:txBody>
-                  <a:tcPr/>
-                </a:tc>
-                <a:tc>
-                  <a:txBody>
-                    <a:bodyPr/>
-                    <a:lstStyle/>
-                    <a:p>
-                      <a:r>
-                        <a:t>7</a:t>
-                      </a:r>
-                    </a:p>
-                  </a:txBody>
-                  <a:tcPr/>
-                </a:tc>
-                <a:tc>
-                  <a:txBody>
-                    <a:bodyPr/>
-                    <a:lstStyle/>
-                    <a:p>
-                      <a:r>
-                        <a:t>7</a:t>
-                      </a:r>
-                    </a:p>
-                  </a:txBody>
-                  <a:tcPr/>
-                </a:tc>
-                <a:tc>
-                  <a:txBody>
-                    <a:bodyPr/>
-                    <a:lstStyle/>
-                    <a:p>
-                      <a:r>
-                        <a:t>0</a:t>
-                      </a:r>
-                    </a:p>
-                  </a:txBody>
-                  <a:tcPr/>
-                </a:tc>
-              </a:tr>
-              <a:tr h="76200">
-                <a:tc>
-                  <a:txBody>
-                    <a:bodyPr/>
-                    <a:lstStyle/>
-                    <a:p>
-                      <a:r>
-                        <a:t>ON-BOARDING</a:t>
-                      </a:r>
-                    </a:p>
-                  </a:txBody>
-                  <a:tcPr/>
-                </a:tc>
-                <a:tc>
-                  <a:txBody>
-                    <a:bodyPr/>
-                    <a:lstStyle/>
-                    <a:p>
-                      <a:r>
-                        <a:t>1</a:t>
-                      </a:r>
-                    </a:p>
-                  </a:txBody>
-                  <a:tcPr/>
-                </a:tc>
-                <a:tc>
-                  <a:txBody>
-                    <a:bodyPr/>
-                    <a:lstStyle/>
-                    <a:p>
-                      <a:r>
-                        <a:t>0</a:t>
-                      </a:r>
-                    </a:p>
-                  </a:txBody>
-                  <a:tcPr/>
-                </a:tc>
-                <a:tc>
-                  <a:txBody>
-                    <a:bodyPr/>
-                    <a:lstStyle/>
-                    <a:p>
-                      <a:r>
-                        <a:t>1</a:t>
-                      </a:r>
-                    </a:p>
-                  </a:txBody>
-                  <a:tcPr/>
-                </a:tc>
-              </a:tr>
-              <a:tr h="76200">
-                <a:tc>
-                  <a:txBody>
-                    <a:bodyPr/>
-                    <a:lstStyle/>
-                    <a:p>
-                      <a:r>
-                        <a:t>PROACTIVE NOTIFICATIONS</a:t>
-                      </a:r>
-                    </a:p>
-                  </a:txBody>
-                  <a:tcPr/>
-                </a:tc>
-                <a:tc>
-                  <a:txBody>
-                    <a:bodyPr/>
-                    <a:lstStyle/>
-                    <a:p>
-                      <a:r>
-                        <a:t>12</a:t>
-                      </a:r>
-                    </a:p>
-                  </a:txBody>
-                  <a:tcPr/>
-                </a:tc>
-                <a:tc>
-                  <a:txBody>
-                    <a:bodyPr/>
-                    <a:lstStyle/>
-                    <a:p>
-                      <a:r>
-                        <a:t>4</a:t>
-                      </a:r>
-                    </a:p>
-                  </a:txBody>
-                  <a:tcPr/>
-                </a:tc>
-                <a:tc>
-                  <a:txBody>
-                    <a:bodyPr/>
-                    <a:lstStyle/>
-                    <a:p>
-                      <a:r>
-                        <a:t>8</a:t>
-                      </a:r>
-                    </a:p>
-                  </a:txBody>
-                  <a:tcPr/>
-                </a:tc>
-              </a:tr>
-              <a:tr h="76200">
-                <a:tc>
-                  <a:txBody>
-                    <a:bodyPr/>
-                    <a:lstStyle/>
-                    <a:p>
-                      <a:r>
-                        <a:t>REPORT</a:t>
-                      </a:r>
-                    </a:p>
-                  </a:txBody>
-                  <a:tcPr/>
-                </a:tc>
-                <a:tc>
-                  <a:txBody>
-                    <a:bodyPr/>
-                    <a:lstStyle/>
-                    <a:p>
-                      <a:r>
-                        <a:t>6</a:t>
-                      </a:r>
-                    </a:p>
-                  </a:txBody>
-                  <a:tcPr/>
-                </a:tc>
-                <a:tc>
-                  <a:txBody>
-                    <a:bodyPr/>
-                    <a:lstStyle/>
-                    <a:p>
-                      <a:r>
-                        <a:t>2</a:t>
-                      </a:r>
-                    </a:p>
-                  </a:txBody>
-                  <a:tcPr/>
-                </a:tc>
-                <a:tc>
-                  <a:txBody>
-                    <a:bodyPr/>
-                    <a:lstStyle/>
-                    <a:p>
-                      <a:r>
-                        <a:t>4</a:t>
-                      </a:r>
-                    </a:p>
-                  </a:txBody>
-                  <a:tcPr/>
-                </a:tc>
-              </a:tr>
-              <a:tr h="76200">
-                <a:tc>
-                  <a:txBody>
-                    <a:bodyPr/>
-                    <a:lstStyle/>
-                    <a:p>
-                      <a:r>
-                        <a:t>SERVICE IMPROVEMENT</a:t>
-                      </a:r>
-                    </a:p>
-                  </a:txBody>
-                  <a:tcPr/>
-                </a:tc>
-                <a:tc>
-                  <a:txBody>
-                    <a:bodyPr/>
-                    <a:lstStyle/>
-                    <a:p>
-                      <a:r>
-                        <a:t>1</a:t>
-                      </a:r>
-                    </a:p>
-                  </a:txBody>
-                  <a:tcPr/>
-                </a:tc>
-                <a:tc>
-                  <a:txBody>
-                    <a:bodyPr/>
-                    <a:lstStyle/>
-                    <a:p>
-                      <a:r>
-                        <a:t>0</a:t>
-                      </a:r>
-                    </a:p>
-                  </a:txBody>
-                  <a:tcPr/>
-                </a:tc>
-                <a:tc>
-                  <a:txBody>
-                    <a:bodyPr/>
-                    <a:lstStyle/>
-                    <a:p>
-                      <a:r>
-                        <a:t>1</a:t>
-                      </a:r>
-                    </a:p>
-                  </a:txBody>
-                  <a:tcPr/>
-                </a:tc>
-              </a:tr>
-              <a:tr h="76200">
-                <a:tc>
-                  <a:txBody>
-                    <a:bodyPr/>
-                    <a:lstStyle/>
-                    <a:p>
-                      <a:r>
-                        <a:t>SERVICE REQUEST</a:t>
-                      </a:r>
-                    </a:p>
-                  </a:txBody>
-                  <a:tcPr/>
-                </a:tc>
-                <a:tc>
-                  <a:txBody>
-                    <a:bodyPr/>
-                    <a:lstStyle/>
-                    <a:p>
-                      <a:r>
-                        <a:t>5</a:t>
-                      </a:r>
-                    </a:p>
-                  </a:txBody>
-                  <a:tcPr/>
-                </a:tc>
-                <a:tc>
-                  <a:txBody>
-                    <a:bodyPr/>
-                    <a:lstStyle/>
-                    <a:p>
-                      <a:r>
-                        <a:t>5</a:t>
-                      </a:r>
-                    </a:p>
-                  </a:txBody>
-                  <a:tcPr/>
-                </a:tc>
-                <a:tc>
-                  <a:txBody>
-                    <a:bodyPr/>
-                    <a:lstStyle/>
-                    <a:p>
-                      <a:r>
-                        <a:t>0</a:t>
                       </a:r>
                     </a:p>
                   </a:txBody>
@@ -4223,7 +4073,7 @@
               <a:defRPr sz="1800"/>
             </a:pPr>
             <a:r>
-              <a:t>JANUARY -2023  PROACTIVE NOTIFICATIONS ALERT RELATED – 12 CALLS</a:t>
+              <a:t>FEBRUARY -2023  PROACTIVE NOTIFICATIONS ALERT RELATED – 5 CALLS</a:t>
             </a:r>
           </a:p>
         </p:txBody>
@@ -4253,7 +4103,7 @@
                 <a:gridCol w="1280160"/>
                 <a:gridCol w="1280160"/>
               </a:tblGrid>
-              <a:tr h="41563">
+              <a:tr h="57150">
                 <a:tc>
                   <a:txBody>
                     <a:bodyPr/>
@@ -4330,7 +4180,7 @@
                   <a:tcPr/>
                 </a:tc>
               </a:tr>
-              <a:tr h="41563">
+              <a:tr h="57150">
                 <a:tc>
                   <a:txBody>
                     <a:bodyPr/>
@@ -4407,7 +4257,7 @@
                   <a:tcPr/>
                 </a:tc>
               </a:tr>
-              <a:tr h="41563">
+              <a:tr h="57150">
                 <a:tc>
                   <a:txBody>
                     <a:bodyPr/>
@@ -4417,7 +4267,7 @@
                         <a:defRPr sz="1500"/>
                       </a:pPr>
                       <a:r>
-                        <a:t>BILLING &amp; SOLUTIONS</a:t>
+                        <a:t>INCIDENT</a:t>
                       </a:r>
                     </a:p>
                   </a:txBody>
@@ -4432,6 +4282,21 @@
                         <a:defRPr sz="1500"/>
                       </a:pPr>
                       <a:r>
+                        <a:t>3</a:t>
+                      </a:r>
+                    </a:p>
+                  </a:txBody>
+                  <a:tcPr/>
+                </a:tc>
+                <a:tc>
+                  <a:txBody>
+                    <a:bodyPr/>
+                    <a:lstStyle/>
+                    <a:p>
+                      <a:pPr>
+                        <a:defRPr sz="1500"/>
+                      </a:pPr>
+                      <a:r>
                         <a:t>0</a:t>
                       </a:r>
                     </a:p>
@@ -4462,6 +4327,38 @@
                         <a:defRPr sz="1500"/>
                       </a:pPr>
                       <a:r>
+                        <a:t>3</a:t>
+                      </a:r>
+                    </a:p>
+                  </a:txBody>
+                  <a:tcPr/>
+                </a:tc>
+              </a:tr>
+              <a:tr h="57150">
+                <a:tc>
+                  <a:txBody>
+                    <a:bodyPr/>
+                    <a:lstStyle/>
+                    <a:p>
+                      <a:pPr>
+                        <a:defRPr sz="1500"/>
+                      </a:pPr>
+                      <a:r>
+                        <a:t>INFORMATION</a:t>
+                      </a:r>
+                    </a:p>
+                  </a:txBody>
+                  <a:tcPr/>
+                </a:tc>
+                <a:tc>
+                  <a:txBody>
+                    <a:bodyPr/>
+                    <a:lstStyle/>
+                    <a:p>
+                      <a:pPr>
+                        <a:defRPr sz="1500"/>
+                      </a:pPr>
+                      <a:r>
                         <a:t>0</a:t>
                       </a:r>
                     </a:p>
@@ -4483,8 +4380,38 @@
                   </a:txBody>
                   <a:tcPr/>
                 </a:tc>
+                <a:tc>
+                  <a:txBody>
+                    <a:bodyPr/>
+                    <a:lstStyle/>
+                    <a:p>
+                      <a:pPr>
+                        <a:defRPr sz="1500"/>
+                      </a:pPr>
+                      <a:r>
+                        <a:t>0</a:t>
+                      </a:r>
+                    </a:p>
+                  </a:txBody>
+                  <a:tcPr/>
+                </a:tc>
+                <a:tc>
+                  <a:txBody>
+                    <a:bodyPr/>
+                    <a:lstStyle/>
+                    <a:p>
+                      <a:pPr>
+                        <a:defRPr sz="1500"/>
+                      </a:pPr>
+                      <a:r>
+                        <a:t>0</a:t>
+                      </a:r>
+                    </a:p>
+                  </a:txBody>
+                  <a:tcPr/>
+                </a:tc>
               </a:tr>
-              <a:tr h="41563">
+              <a:tr h="57150">
                 <a:tc>
                   <a:txBody>
                     <a:bodyPr/>
@@ -4494,7 +4421,7 @@
                         <a:defRPr sz="1500"/>
                       </a:pPr>
                       <a:r>
-                        <a:t>INCIDENT</a:t>
+                        <a:t>MAINTENANCE</a:t>
                       </a:r>
                     </a:p>
                   </a:txBody>
@@ -4509,6 +4436,98 @@
                         <a:defRPr sz="1500"/>
                       </a:pPr>
                       <a:r>
+                        <a:t>0</a:t>
+                      </a:r>
+                    </a:p>
+                  </a:txBody>
+                  <a:tcPr/>
+                </a:tc>
+                <a:tc>
+                  <a:txBody>
+                    <a:bodyPr/>
+                    <a:lstStyle/>
+                    <a:p>
+                      <a:pPr>
+                        <a:defRPr sz="1500"/>
+                      </a:pPr>
+                      <a:r>
+                        <a:t>0</a:t>
+                      </a:r>
+                    </a:p>
+                  </a:txBody>
+                  <a:tcPr/>
+                </a:tc>
+                <a:tc>
+                  <a:txBody>
+                    <a:bodyPr/>
+                    <a:lstStyle/>
+                    <a:p>
+                      <a:pPr>
+                        <a:defRPr sz="1500"/>
+                      </a:pPr>
+                      <a:r>
+                        <a:t>0</a:t>
+                      </a:r>
+                    </a:p>
+                  </a:txBody>
+                  <a:tcPr/>
+                </a:tc>
+                <a:tc>
+                  <a:txBody>
+                    <a:bodyPr/>
+                    <a:lstStyle/>
+                    <a:p>
+                      <a:pPr>
+                        <a:defRPr sz="1500"/>
+                      </a:pPr>
+                      <a:r>
+                        <a:t>0</a:t>
+                      </a:r>
+                    </a:p>
+                  </a:txBody>
+                  <a:tcPr/>
+                </a:tc>
+              </a:tr>
+              <a:tr h="57150">
+                <a:tc>
+                  <a:txBody>
+                    <a:bodyPr/>
+                    <a:lstStyle/>
+                    <a:p>
+                      <a:pPr>
+                        <a:defRPr sz="1500"/>
+                      </a:pPr>
+                      <a:r>
+                        <a:t>PROACTIVE NOTIFICATIONS</a:t>
+                      </a:r>
+                    </a:p>
+                  </a:txBody>
+                  <a:tcPr/>
+                </a:tc>
+                <a:tc>
+                  <a:txBody>
+                    <a:bodyPr/>
+                    <a:lstStyle/>
+                    <a:p>
+                      <a:pPr>
+                        <a:defRPr sz="1500"/>
+                      </a:pPr>
+                      <a:r>
+                        <a:t>0</a:t>
+                      </a:r>
+                    </a:p>
+                  </a:txBody>
+                  <a:tcPr/>
+                </a:tc>
+                <a:tc>
+                  <a:txBody>
+                    <a:bodyPr/>
+                    <a:lstStyle/>
+                    <a:p>
+                      <a:pPr>
+                        <a:defRPr sz="1500"/>
+                      </a:pPr>
+                      <a:r>
                         <a:t>5</a:t>
                       </a:r>
                     </a:p>
@@ -4539,6 +4558,38 @@
                         <a:defRPr sz="1500"/>
                       </a:pPr>
                       <a:r>
+                        <a:t>5</a:t>
+                      </a:r>
+                    </a:p>
+                  </a:txBody>
+                  <a:tcPr/>
+                </a:tc>
+              </a:tr>
+              <a:tr h="57150">
+                <a:tc>
+                  <a:txBody>
+                    <a:bodyPr/>
+                    <a:lstStyle/>
+                    <a:p>
+                      <a:pPr>
+                        <a:defRPr sz="1500"/>
+                      </a:pPr>
+                      <a:r>
+                        <a:t>REPORT</a:t>
+                      </a:r>
+                    </a:p>
+                  </a:txBody>
+                  <a:tcPr/>
+                </a:tc>
+                <a:tc>
+                  <a:txBody>
+                    <a:bodyPr/>
+                    <a:lstStyle/>
+                    <a:p>
+                      <a:pPr>
+                        <a:defRPr sz="1500"/>
+                      </a:pPr>
+                      <a:r>
                         <a:t>0</a:t>
                       </a:r>
                     </a:p>
@@ -4554,14 +4605,44 @@
                         <a:defRPr sz="1500"/>
                       </a:pPr>
                       <a:r>
-                        <a:t>5</a:t>
+                        <a:t>0</a:t>
+                      </a:r>
+                    </a:p>
+                  </a:txBody>
+                  <a:tcPr/>
+                </a:tc>
+                <a:tc>
+                  <a:txBody>
+                    <a:bodyPr/>
+                    <a:lstStyle/>
+                    <a:p>
+                      <a:pPr>
+                        <a:defRPr sz="1500"/>
+                      </a:pPr>
+                      <a:r>
+                        <a:t>0</a:t>
+                      </a:r>
+                    </a:p>
+                  </a:txBody>
+                  <a:tcPr/>
+                </a:tc>
+                <a:tc>
+                  <a:txBody>
+                    <a:bodyPr/>
+                    <a:lstStyle/>
+                    <a:p>
+                      <a:pPr>
+                        <a:defRPr sz="1500"/>
+                      </a:pPr>
+                      <a:r>
+                        <a:t>0</a:t>
                       </a:r>
                     </a:p>
                   </a:txBody>
                   <a:tcPr/>
                 </a:tc>
               </a:tr>
-              <a:tr h="41563">
+              <a:tr h="57150">
                 <a:tc>
                   <a:txBody>
                     <a:bodyPr/>
@@ -4571,7 +4652,7 @@
                         <a:defRPr sz="1500"/>
                       </a:pPr>
                       <a:r>
-                        <a:t>INFORMATION</a:t>
+                        <a:t>SERVICE REQUEST</a:t>
                       </a:r>
                     </a:p>
                   </a:txBody>
@@ -4616,7 +4697,7 @@
                         <a:defRPr sz="1500"/>
                       </a:pPr>
                       <a:r>
-                        <a:t>0</a:t>
+                        <a:t>3</a:t>
                       </a:r>
                     </a:p>
                   </a:txBody>
@@ -4631,469 +4712,7 @@
                         <a:defRPr sz="1500"/>
                       </a:pPr>
                       <a:r>
-                        <a:t>0</a:t>
-                      </a:r>
-                    </a:p>
-                  </a:txBody>
-                  <a:tcPr/>
-                </a:tc>
-              </a:tr>
-              <a:tr h="41563">
-                <a:tc>
-                  <a:txBody>
-                    <a:bodyPr/>
-                    <a:lstStyle/>
-                    <a:p>
-                      <a:pPr>
-                        <a:defRPr sz="1500"/>
-                      </a:pPr>
-                      <a:r>
-                        <a:t>MAINTENANCE</a:t>
-                      </a:r>
-                    </a:p>
-                  </a:txBody>
-                  <a:tcPr/>
-                </a:tc>
-                <a:tc>
-                  <a:txBody>
-                    <a:bodyPr/>
-                    <a:lstStyle/>
-                    <a:p>
-                      <a:pPr>
-                        <a:defRPr sz="1500"/>
-                      </a:pPr>
-                      <a:r>
-                        <a:t>0</a:t>
-                      </a:r>
-                    </a:p>
-                  </a:txBody>
-                  <a:tcPr/>
-                </a:tc>
-                <a:tc>
-                  <a:txBody>
-                    <a:bodyPr/>
-                    <a:lstStyle/>
-                    <a:p>
-                      <a:pPr>
-                        <a:defRPr sz="1500"/>
-                      </a:pPr>
-                      <a:r>
-                        <a:t>0</a:t>
-                      </a:r>
-                    </a:p>
-                  </a:txBody>
-                  <a:tcPr/>
-                </a:tc>
-                <a:tc>
-                  <a:txBody>
-                    <a:bodyPr/>
-                    <a:lstStyle/>
-                    <a:p>
-                      <a:pPr>
-                        <a:defRPr sz="1500"/>
-                      </a:pPr>
-                      <a:r>
-                        <a:t>0</a:t>
-                      </a:r>
-                    </a:p>
-                  </a:txBody>
-                  <a:tcPr/>
-                </a:tc>
-                <a:tc>
-                  <a:txBody>
-                    <a:bodyPr/>
-                    <a:lstStyle/>
-                    <a:p>
-                      <a:pPr>
-                        <a:defRPr sz="1500"/>
-                      </a:pPr>
-                      <a:r>
-                        <a:t>0</a:t>
-                      </a:r>
-                    </a:p>
-                  </a:txBody>
-                  <a:tcPr/>
-                </a:tc>
-              </a:tr>
-              <a:tr h="41563">
-                <a:tc>
-                  <a:txBody>
-                    <a:bodyPr/>
-                    <a:lstStyle/>
-                    <a:p>
-                      <a:pPr>
-                        <a:defRPr sz="1500"/>
-                      </a:pPr>
-                      <a:r>
-                        <a:t>ON-BOARDING</a:t>
-                      </a:r>
-                    </a:p>
-                  </a:txBody>
-                  <a:tcPr/>
-                </a:tc>
-                <a:tc>
-                  <a:txBody>
-                    <a:bodyPr/>
-                    <a:lstStyle/>
-                    <a:p>
-                      <a:pPr>
-                        <a:defRPr sz="1500"/>
-                      </a:pPr>
-                      <a:r>
-                        <a:t>0</a:t>
-                      </a:r>
-                    </a:p>
-                  </a:txBody>
-                  <a:tcPr/>
-                </a:tc>
-                <a:tc>
-                  <a:txBody>
-                    <a:bodyPr/>
-                    <a:lstStyle/>
-                    <a:p>
-                      <a:pPr>
-                        <a:defRPr sz="1500"/>
-                      </a:pPr>
-                      <a:r>
-                        <a:t>0</a:t>
-                      </a:r>
-                    </a:p>
-                  </a:txBody>
-                  <a:tcPr/>
-                </a:tc>
-                <a:tc>
-                  <a:txBody>
-                    <a:bodyPr/>
-                    <a:lstStyle/>
-                    <a:p>
-                      <a:pPr>
-                        <a:defRPr sz="1500"/>
-                      </a:pPr>
-                      <a:r>
-                        <a:t>0</a:t>
-                      </a:r>
-                    </a:p>
-                  </a:txBody>
-                  <a:tcPr/>
-                </a:tc>
-                <a:tc>
-                  <a:txBody>
-                    <a:bodyPr/>
-                    <a:lstStyle/>
-                    <a:p>
-                      <a:pPr>
-                        <a:defRPr sz="1500"/>
-                      </a:pPr>
-                      <a:r>
-                        <a:t>0</a:t>
-                      </a:r>
-                    </a:p>
-                  </a:txBody>
-                  <a:tcPr/>
-                </a:tc>
-              </a:tr>
-              <a:tr h="41563">
-                <a:tc>
-                  <a:txBody>
-                    <a:bodyPr/>
-                    <a:lstStyle/>
-                    <a:p>
-                      <a:pPr>
-                        <a:defRPr sz="1500"/>
-                      </a:pPr>
-                      <a:r>
-                        <a:t>PROACTIVE NOTIFICATIONS</a:t>
-                      </a:r>
-                    </a:p>
-                  </a:txBody>
-                  <a:tcPr/>
-                </a:tc>
-                <a:tc>
-                  <a:txBody>
-                    <a:bodyPr/>
-                    <a:lstStyle/>
-                    <a:p>
-                      <a:pPr>
-                        <a:defRPr sz="1500"/>
-                      </a:pPr>
-                      <a:r>
-                        <a:t>0</a:t>
-                      </a:r>
-                    </a:p>
-                  </a:txBody>
-                  <a:tcPr/>
-                </a:tc>
-                <a:tc>
-                  <a:txBody>
-                    <a:bodyPr/>
-                    <a:lstStyle/>
-                    <a:p>
-                      <a:pPr>
-                        <a:defRPr sz="1500"/>
-                      </a:pPr>
-                      <a:r>
-                        <a:t>12</a:t>
-                      </a:r>
-                    </a:p>
-                  </a:txBody>
-                  <a:tcPr/>
-                </a:tc>
-                <a:tc>
-                  <a:txBody>
-                    <a:bodyPr/>
-                    <a:lstStyle/>
-                    <a:p>
-                      <a:pPr>
-                        <a:defRPr sz="1500"/>
-                      </a:pPr>
-                      <a:r>
-                        <a:t>0</a:t>
-                      </a:r>
-                    </a:p>
-                  </a:txBody>
-                  <a:tcPr/>
-                </a:tc>
-                <a:tc>
-                  <a:txBody>
-                    <a:bodyPr/>
-                    <a:lstStyle/>
-                    <a:p>
-                      <a:pPr>
-                        <a:defRPr sz="1500"/>
-                      </a:pPr>
-                      <a:r>
-                        <a:t>12</a:t>
-                      </a:r>
-                    </a:p>
-                  </a:txBody>
-                  <a:tcPr/>
-                </a:tc>
-              </a:tr>
-              <a:tr h="41563">
-                <a:tc>
-                  <a:txBody>
-                    <a:bodyPr/>
-                    <a:lstStyle/>
-                    <a:p>
-                      <a:pPr>
-                        <a:defRPr sz="1500"/>
-                      </a:pPr>
-                      <a:r>
-                        <a:t>REPORT</a:t>
-                      </a:r>
-                    </a:p>
-                  </a:txBody>
-                  <a:tcPr/>
-                </a:tc>
-                <a:tc>
-                  <a:txBody>
-                    <a:bodyPr/>
-                    <a:lstStyle/>
-                    <a:p>
-                      <a:pPr>
-                        <a:defRPr sz="1500"/>
-                      </a:pPr>
-                      <a:r>
-                        <a:t>0</a:t>
-                      </a:r>
-                    </a:p>
-                  </a:txBody>
-                  <a:tcPr/>
-                </a:tc>
-                <a:tc>
-                  <a:txBody>
-                    <a:bodyPr/>
-                    <a:lstStyle/>
-                    <a:p>
-                      <a:pPr>
-                        <a:defRPr sz="1500"/>
-                      </a:pPr>
-                      <a:r>
-                        <a:t>0</a:t>
-                      </a:r>
-                    </a:p>
-                  </a:txBody>
-                  <a:tcPr/>
-                </a:tc>
-                <a:tc>
-                  <a:txBody>
-                    <a:bodyPr/>
-                    <a:lstStyle/>
-                    <a:p>
-                      <a:pPr>
-                        <a:defRPr sz="1500"/>
-                      </a:pPr>
-                      <a:r>
-                        <a:t>0</a:t>
-                      </a:r>
-                    </a:p>
-                  </a:txBody>
-                  <a:tcPr/>
-                </a:tc>
-                <a:tc>
-                  <a:txBody>
-                    <a:bodyPr/>
-                    <a:lstStyle/>
-                    <a:p>
-                      <a:pPr>
-                        <a:defRPr sz="1500"/>
-                      </a:pPr>
-                      <a:r>
-                        <a:t>0</a:t>
-                      </a:r>
-                    </a:p>
-                  </a:txBody>
-                  <a:tcPr/>
-                </a:tc>
-              </a:tr>
-              <a:tr h="41563">
-                <a:tc>
-                  <a:txBody>
-                    <a:bodyPr/>
-                    <a:lstStyle/>
-                    <a:p>
-                      <a:pPr>
-                        <a:defRPr sz="1500"/>
-                      </a:pPr>
-                      <a:r>
-                        <a:t>SERVICE IMPROVEMENT</a:t>
-                      </a:r>
-                    </a:p>
-                  </a:txBody>
-                  <a:tcPr/>
-                </a:tc>
-                <a:tc>
-                  <a:txBody>
-                    <a:bodyPr/>
-                    <a:lstStyle/>
-                    <a:p>
-                      <a:pPr>
-                        <a:defRPr sz="1500"/>
-                      </a:pPr>
-                      <a:r>
-                        <a:t>0</a:t>
-                      </a:r>
-                    </a:p>
-                  </a:txBody>
-                  <a:tcPr/>
-                </a:tc>
-                <a:tc>
-                  <a:txBody>
-                    <a:bodyPr/>
-                    <a:lstStyle/>
-                    <a:p>
-                      <a:pPr>
-                        <a:defRPr sz="1500"/>
-                      </a:pPr>
-                      <a:r>
-                        <a:t>0</a:t>
-                      </a:r>
-                    </a:p>
-                  </a:txBody>
-                  <a:tcPr/>
-                </a:tc>
-                <a:tc>
-                  <a:txBody>
-                    <a:bodyPr/>
-                    <a:lstStyle/>
-                    <a:p>
-                      <a:pPr>
-                        <a:defRPr sz="1500"/>
-                      </a:pPr>
-                      <a:r>
-                        <a:t>0</a:t>
-                      </a:r>
-                    </a:p>
-                  </a:txBody>
-                  <a:tcPr/>
-                </a:tc>
-                <a:tc>
-                  <a:txBody>
-                    <a:bodyPr/>
-                    <a:lstStyle/>
-                    <a:p>
-                      <a:pPr>
-                        <a:defRPr sz="1500"/>
-                      </a:pPr>
-                      <a:r>
-                        <a:t>0</a:t>
-                      </a:r>
-                    </a:p>
-                  </a:txBody>
-                  <a:tcPr/>
-                </a:tc>
-              </a:tr>
-              <a:tr h="41570">
-                <a:tc>
-                  <a:txBody>
-                    <a:bodyPr/>
-                    <a:lstStyle/>
-                    <a:p>
-                      <a:pPr>
-                        <a:defRPr sz="1500"/>
-                      </a:pPr>
-                      <a:r>
-                        <a:t>SERVICE REQUEST</a:t>
-                      </a:r>
-                    </a:p>
-                  </a:txBody>
-                  <a:tcPr/>
-                </a:tc>
-                <a:tc>
-                  <a:txBody>
-                    <a:bodyPr/>
-                    <a:lstStyle/>
-                    <a:p>
-                      <a:pPr>
-                        <a:defRPr sz="1500"/>
-                      </a:pPr>
-                      <a:r>
-                        <a:t>0</a:t>
-                      </a:r>
-                    </a:p>
-                  </a:txBody>
-                  <a:tcPr/>
-                </a:tc>
-                <a:tc>
-                  <a:txBody>
-                    <a:bodyPr/>
-                    <a:lstStyle/>
-                    <a:p>
-                      <a:pPr>
-                        <a:defRPr sz="1500"/>
-                      </a:pPr>
-                      <a:r>
-                        <a:t>0</a:t>
-                      </a:r>
-                    </a:p>
-                  </a:txBody>
-                  <a:tcPr/>
-                </a:tc>
-                <a:tc>
-                  <a:txBody>
-                    <a:bodyPr/>
-                    <a:lstStyle/>
-                    <a:p>
-                      <a:pPr>
-                        <a:defRPr sz="1500"/>
-                      </a:pPr>
-                      <a:r>
-                        <a:t>5</a:t>
-                      </a:r>
-                    </a:p>
-                  </a:txBody>
-                  <a:tcPr/>
-                </a:tc>
-                <a:tc>
-                  <a:txBody>
-                    <a:bodyPr/>
-                    <a:lstStyle/>
-                    <a:p>
-                      <a:pPr>
-                        <a:defRPr sz="1500"/>
-                      </a:pPr>
-                      <a:r>
-                        <a:t>5</a:t>
+                        <a:t>3</a:t>
                       </a:r>
                     </a:p>
                   </a:txBody>
@@ -5179,7 +4798,7 @@
                 <a:gridCol w="1524000"/>
                 <a:gridCol w="1524000"/>
               </a:tblGrid>
-              <a:tr h="182880">
+              <a:tr h="228600">
                 <a:tc>
                   <a:txBody>
                     <a:bodyPr/>
@@ -5229,7 +4848,7 @@
                   <a:tcPr/>
                 </a:tc>
               </a:tr>
-              <a:tr h="182880">
+              <a:tr h="228600">
                 <a:tc>
                   <a:txBody>
                     <a:bodyPr/>
@@ -5279,7 +4898,7 @@
                   <a:tcPr/>
                 </a:tc>
               </a:tr>
-              <a:tr h="182880">
+              <a:tr h="228600">
                 <a:tc>
                   <a:txBody>
                     <a:bodyPr/>
@@ -5329,57 +4948,7 @@
                   <a:tcPr/>
                 </a:tc>
               </a:tr>
-              <a:tr h="182880">
-                <a:tc>
-                  <a:txBody>
-                    <a:bodyPr/>
-                    <a:lstStyle/>
-                    <a:p/>
-                  </a:txBody>
-                  <a:tcPr/>
-                </a:tc>
-                <a:tc>
-                  <a:txBody>
-                    <a:bodyPr/>
-                    <a:lstStyle/>
-                    <a:p/>
-                  </a:txBody>
-                  <a:tcPr/>
-                </a:tc>
-                <a:tc>
-                  <a:txBody>
-                    <a:bodyPr/>
-                    <a:lstStyle/>
-                    <a:p/>
-                  </a:txBody>
-                  <a:tcPr/>
-                </a:tc>
-                <a:tc>
-                  <a:txBody>
-                    <a:bodyPr/>
-                    <a:lstStyle/>
-                    <a:p/>
-                  </a:txBody>
-                  <a:tcPr/>
-                </a:tc>
-                <a:tc>
-                  <a:txBody>
-                    <a:bodyPr/>
-                    <a:lstStyle/>
-                    <a:p/>
-                  </a:txBody>
-                  <a:tcPr/>
-                </a:tc>
-                <a:tc>
-                  <a:txBody>
-                    <a:bodyPr/>
-                    <a:lstStyle/>
-                    <a:p/>
-                  </a:txBody>
-                  <a:tcPr/>
-                </a:tc>
-              </a:tr>
-              <a:tr h="182880">
+              <a:tr h="228600">
                 <a:tc>
                   <a:txBody>
                     <a:bodyPr/>
@@ -5459,124 +5028,109 @@
                 <a:gridCol w="1524000"/>
                 <a:gridCol w="1524000"/>
               </a:tblGrid>
-              <a:tr h="182880">
-                <a:tc>
-                  <a:txBody>
-                    <a:bodyPr/>
-                    <a:lstStyle/>
-                    <a:p>
-                      <a:pPr>
-                        <a:defRPr sz="1300"/>
-                      </a:pPr>
-                      <a:r>
-                        <a:t>INCIDENT &amp; NOTIFICATION</a:t>
-                      </a:r>
-                    </a:p>
-                  </a:txBody>
-                  <a:tcPr/>
-                </a:tc>
-                <a:tc>
-                  <a:txBody>
-                    <a:bodyPr/>
-                    <a:lstStyle/>
-                    <a:p>
-                      <a:pPr>
-                        <a:defRPr sz="1300"/>
-                      </a:pPr>
-                      <a:r>
-                        <a:t>LEAST</a:t>
-                      </a:r>
-                    </a:p>
-                  </a:txBody>
-                  <a:tcPr/>
-                </a:tc>
-                <a:tc>
-                  <a:txBody>
-                    <a:bodyPr/>
-                    <a:lstStyle/>
-                    <a:p>
-                      <a:pPr>
-                        <a:defRPr sz="1300"/>
-                      </a:pPr>
-                      <a:r>
-                        <a:t>Severity 1 - Incident with Major impact on Business</a:t>
-                      </a:r>
-                    </a:p>
-                  </a:txBody>
-                  <a:tcPr/>
-                </a:tc>
-                <a:tc>
-                  <a:txBody>
-                    <a:bodyPr/>
-                    <a:lstStyle/>
-                    <a:p>
-                      <a:pPr>
-                        <a:defRPr sz="1300"/>
-                      </a:pPr>
-                      <a:r>
-                        <a:t>Severity 2 - Incident with Minor impact on business but high impact on Users</a:t>
-                      </a:r>
-                    </a:p>
-                  </a:txBody>
-                  <a:tcPr/>
-                </a:tc>
-                <a:tc>
-                  <a:txBody>
-                    <a:bodyPr/>
-                    <a:lstStyle/>
-                    <a:p>
-                      <a:pPr>
-                        <a:defRPr sz="1300"/>
-                      </a:pPr>
-                      <a:r>
-                        <a:t>Severity 3 - Incident with minor impact on business and Users</a:t>
-                      </a:r>
-                    </a:p>
-                  </a:txBody>
-                  <a:tcPr/>
-                </a:tc>
-                <a:tc>
-                  <a:txBody>
-                    <a:bodyPr/>
-                    <a:lstStyle/>
-                    <a:p>
-                      <a:pPr>
-                        <a:defRPr sz="1300"/>
-                      </a:pPr>
-                      <a:r>
-                        <a:t>Severity 4 - Incident with no business impact</a:t>
+              <a:tr h="228600">
+                <a:tc>
+                  <a:txBody>
+                    <a:bodyPr/>
+                    <a:lstStyle/>
+                    <a:p>
+                      <a:pPr>
+                        <a:defRPr sz="1300"/>
+                      </a:pPr>
+                      <a:r>
+                        <a:t>TOTAL</a:t>
+                      </a:r>
+                    </a:p>
+                  </a:txBody>
+                  <a:tcPr/>
+                </a:tc>
+                <a:tc>
+                  <a:txBody>
+                    <a:bodyPr/>
+                    <a:lstStyle/>
+                    <a:p>
+                      <a:pPr>
+                        <a:defRPr sz="1300"/>
+                      </a:pPr>
+                      <a:r>
+                        <a:t>1.0</a:t>
+                      </a:r>
+                    </a:p>
+                  </a:txBody>
+                  <a:tcPr/>
+                </a:tc>
+                <a:tc>
+                  <a:txBody>
+                    <a:bodyPr/>
+                    <a:lstStyle/>
+                    <a:p>
+                      <a:pPr>
+                        <a:defRPr sz="1300"/>
+                      </a:pPr>
+                      <a:r>
+                        <a:t>14.0</a:t>
+                      </a:r>
+                    </a:p>
+                  </a:txBody>
+                  <a:tcPr/>
+                </a:tc>
+                <a:tc>
+                  <a:txBody>
+                    <a:bodyPr/>
+                    <a:lstStyle/>
+                    <a:p>
+                      <a:pPr>
+                        <a:defRPr sz="1300"/>
+                      </a:pPr>
+                      <a:r>
+                        <a:t>1.0</a:t>
+                      </a:r>
+                    </a:p>
+                  </a:txBody>
+                  <a:tcPr/>
+                </a:tc>
+                <a:tc>
+                  <a:txBody>
+                    <a:bodyPr/>
+                    <a:lstStyle/>
+                    <a:p>
+                      <a:pPr>
+                        <a:defRPr sz="1300"/>
+                      </a:pPr>
+                      <a:r>
+                        <a:t>6.0</a:t>
+                      </a:r>
+                    </a:p>
+                  </a:txBody>
+                  <a:tcPr/>
+                </a:tc>
+                <a:tc>
+                  <a:txBody>
+                    <a:bodyPr/>
+                    <a:lstStyle/>
+                    <a:p>
+                      <a:pPr>
+                        <a:defRPr sz="1300"/>
+                      </a:pPr>
+                      <a:r>
+                        <a:t>463.0</a:t>
                       </a:r>
                     </a:p>
                   </a:txBody>
                   <a:tcPr/>
                 </a:tc>
               </a:tr>
-              <a:tr h="182880">
-                <a:tc>
-                  <a:txBody>
-                    <a:bodyPr/>
-                    <a:lstStyle/>
-                    <a:p>
-                      <a:pPr>
-                        <a:defRPr sz="1300"/>
-                      </a:pPr>
-                      <a:r>
-                        <a:t>TOTAL</a:t>
-                      </a:r>
-                    </a:p>
-                  </a:txBody>
-                  <a:tcPr/>
-                </a:tc>
-                <a:tc>
-                  <a:txBody>
-                    <a:bodyPr/>
-                    <a:lstStyle/>
-                    <a:p>
-                      <a:pPr>
-                        <a:defRPr sz="1300"/>
-                      </a:pPr>
-                      <a:r>
-                        <a:t>20.0</a:t>
+              <a:tr h="228600">
+                <a:tc>
+                  <a:txBody>
+                    <a:bodyPr/>
+                    <a:lstStyle/>
+                    <a:p>
+                      <a:pPr>
+                        <a:defRPr sz="1300"/>
+                      </a:pPr>
+                      <a:r>
+                        <a:t>CLOSED</a:t>
                       </a:r>
                     </a:p>
                   </a:txBody>
@@ -5606,6 +5160,21 @@
                         <a:defRPr sz="1300"/>
                       </a:pPr>
                       <a:r>
+                        <a:t>14.0</a:t>
+                      </a:r>
+                    </a:p>
+                  </a:txBody>
+                  <a:tcPr/>
+                </a:tc>
+                <a:tc>
+                  <a:txBody>
+                    <a:bodyPr/>
+                    <a:lstStyle/>
+                    <a:p>
+                      <a:pPr>
+                        <a:defRPr sz="1300"/>
+                      </a:pPr>
+                      <a:r>
                         <a:t>1.0</a:t>
                       </a:r>
                     </a:p>
@@ -5621,213 +5190,121 @@
                         <a:defRPr sz="1300"/>
                       </a:pPr>
                       <a:r>
-                        <a:t>18.0</a:t>
-                      </a:r>
-                    </a:p>
-                  </a:txBody>
-                  <a:tcPr/>
-                </a:tc>
-                <a:tc>
-                  <a:txBody>
-                    <a:bodyPr/>
-                    <a:lstStyle/>
-                    <a:p>
-                      <a:pPr>
-                        <a:defRPr sz="1300"/>
-                      </a:pPr>
-                      <a:r>
-                        <a:t>370.0</a:t>
+                        <a:t>6.0</a:t>
+                      </a:r>
+                    </a:p>
+                  </a:txBody>
+                  <a:tcPr/>
+                </a:tc>
+                <a:tc>
+                  <a:txBody>
+                    <a:bodyPr/>
+                    <a:lstStyle/>
+                    <a:p>
+                      <a:pPr>
+                        <a:defRPr sz="1300"/>
+                      </a:pPr>
+                      <a:r>
+                        <a:t>441.0</a:t>
                       </a:r>
                     </a:p>
                   </a:txBody>
                   <a:tcPr/>
                 </a:tc>
               </a:tr>
-              <a:tr h="182880">
-                <a:tc>
-                  <a:txBody>
-                    <a:bodyPr/>
-                    <a:lstStyle/>
-                    <a:p>
-                      <a:pPr>
-                        <a:defRPr sz="1300"/>
-                      </a:pPr>
-                      <a:r>
-                        <a:t>CLOSED</a:t>
-                      </a:r>
-                    </a:p>
-                  </a:txBody>
-                  <a:tcPr/>
-                </a:tc>
-                <a:tc>
-                  <a:txBody>
-                    <a:bodyPr/>
-                    <a:lstStyle/>
-                    <a:p>
-                      <a:pPr>
-                        <a:defRPr sz="1300"/>
-                      </a:pPr>
-                      <a:r>
-                        <a:t>20.0</a:t>
-                      </a:r>
-                    </a:p>
-                  </a:txBody>
-                  <a:tcPr/>
-                </a:tc>
-                <a:tc>
-                  <a:txBody>
-                    <a:bodyPr/>
-                    <a:lstStyle/>
-                    <a:p>
-                      <a:pPr>
-                        <a:defRPr sz="1300"/>
-                      </a:pPr>
-                      <a:r>
-                        <a:t>1.0</a:t>
-                      </a:r>
-                    </a:p>
-                  </a:txBody>
-                  <a:tcPr/>
-                </a:tc>
-                <a:tc>
-                  <a:txBody>
-                    <a:bodyPr/>
-                    <a:lstStyle/>
-                    <a:p>
-                      <a:pPr>
-                        <a:defRPr sz="1300"/>
-                      </a:pPr>
-                      <a:r>
-                        <a:t>1.0</a:t>
-                      </a:r>
-                    </a:p>
-                  </a:txBody>
-                  <a:tcPr/>
-                </a:tc>
-                <a:tc>
-                  <a:txBody>
-                    <a:bodyPr/>
-                    <a:lstStyle/>
-                    <a:p>
-                      <a:pPr>
-                        <a:defRPr sz="1300"/>
-                      </a:pPr>
-                      <a:r>
-                        <a:t>17.0</a:t>
-                      </a:r>
-                    </a:p>
-                  </a:txBody>
-                  <a:tcPr/>
-                </a:tc>
-                <a:tc>
-                  <a:txBody>
-                    <a:bodyPr/>
-                    <a:lstStyle/>
-                    <a:p>
-                      <a:pPr>
-                        <a:defRPr sz="1300"/>
-                      </a:pPr>
-                      <a:r>
-                        <a:t>350.0</a:t>
+              <a:tr h="228600">
+                <a:tc>
+                  <a:txBody>
+                    <a:bodyPr/>
+                    <a:lstStyle/>
+                    <a:p>
+                      <a:pPr>
+                        <a:defRPr sz="1300"/>
+                      </a:pPr>
+                      <a:r>
+                        <a:t>Work In Process</a:t>
+                      </a:r>
+                    </a:p>
+                  </a:txBody>
+                  <a:tcPr/>
+                </a:tc>
+                <a:tc>
+                  <a:txBody>
+                    <a:bodyPr/>
+                    <a:lstStyle/>
+                    <a:p>
+                      <a:pPr>
+                        <a:defRPr sz="1300"/>
+                      </a:pPr>
+                      <a:r>
+                        <a:t>0.0</a:t>
+                      </a:r>
+                    </a:p>
+                  </a:txBody>
+                  <a:tcPr/>
+                </a:tc>
+                <a:tc>
+                  <a:txBody>
+                    <a:bodyPr/>
+                    <a:lstStyle/>
+                    <a:p>
+                      <a:pPr>
+                        <a:defRPr sz="1300"/>
+                      </a:pPr>
+                      <a:r>
+                        <a:t>0.0</a:t>
+                      </a:r>
+                    </a:p>
+                  </a:txBody>
+                  <a:tcPr/>
+                </a:tc>
+                <a:tc>
+                  <a:txBody>
+                    <a:bodyPr/>
+                    <a:lstStyle/>
+                    <a:p>
+                      <a:pPr>
+                        <a:defRPr sz="1300"/>
+                      </a:pPr>
+                      <a:r>
+                        <a:t>0.0</a:t>
+                      </a:r>
+                    </a:p>
+                  </a:txBody>
+                  <a:tcPr/>
+                </a:tc>
+                <a:tc>
+                  <a:txBody>
+                    <a:bodyPr/>
+                    <a:lstStyle/>
+                    <a:p>
+                      <a:pPr>
+                        <a:defRPr sz="1300"/>
+                      </a:pPr>
+                      <a:r>
+                        <a:t>0.0</a:t>
+                      </a:r>
+                    </a:p>
+                  </a:txBody>
+                  <a:tcPr/>
+                </a:tc>
+                <a:tc>
+                  <a:txBody>
+                    <a:bodyPr/>
+                    <a:lstStyle/>
+                    <a:p>
+                      <a:pPr>
+                        <a:defRPr sz="1300"/>
+                      </a:pPr>
+                      <a:r>
+                        <a:t>22.0</a:t>
                       </a:r>
                     </a:p>
                   </a:txBody>
                   <a:tcPr/>
                 </a:tc>
               </a:tr>
-              <a:tr h="182880">
-                <a:tc>
-                  <a:txBody>
-                    <a:bodyPr/>
-                    <a:lstStyle/>
-                    <a:p>
-                      <a:pPr>
-                        <a:defRPr sz="1300"/>
-                      </a:pPr>
-                      <a:r>
-                        <a:t>Work In Process</a:t>
-                      </a:r>
-                    </a:p>
-                  </a:txBody>
-                  <a:tcPr/>
-                </a:tc>
-                <a:tc>
-                  <a:txBody>
-                    <a:bodyPr/>
-                    <a:lstStyle/>
-                    <a:p>
-                      <a:pPr>
-                        <a:defRPr sz="1300"/>
-                      </a:pPr>
-                      <a:r>
-                        <a:t>0.0</a:t>
-                      </a:r>
-                    </a:p>
-                  </a:txBody>
-                  <a:tcPr/>
-                </a:tc>
-                <a:tc>
-                  <a:txBody>
-                    <a:bodyPr/>
-                    <a:lstStyle/>
-                    <a:p>
-                      <a:pPr>
-                        <a:defRPr sz="1300"/>
-                      </a:pPr>
-                      <a:r>
-                        <a:t>0.0</a:t>
-                      </a:r>
-                    </a:p>
-                  </a:txBody>
-                  <a:tcPr/>
-                </a:tc>
-                <a:tc>
-                  <a:txBody>
-                    <a:bodyPr/>
-                    <a:lstStyle/>
-                    <a:p>
-                      <a:pPr>
-                        <a:defRPr sz="1300"/>
-                      </a:pPr>
-                      <a:r>
-                        <a:t>0.0</a:t>
-                      </a:r>
-                    </a:p>
-                  </a:txBody>
-                  <a:tcPr/>
-                </a:tc>
-                <a:tc>
-                  <a:txBody>
-                    <a:bodyPr/>
-                    <a:lstStyle/>
-                    <a:p>
-                      <a:pPr>
-                        <a:defRPr sz="1300"/>
-                      </a:pPr>
-                      <a:r>
-                        <a:t>1.0</a:t>
-                      </a:r>
-                    </a:p>
-                  </a:txBody>
-                  <a:tcPr/>
-                </a:tc>
-                <a:tc>
-                  <a:txBody>
-                    <a:bodyPr/>
-                    <a:lstStyle/>
-                    <a:p>
-                      <a:pPr>
-                        <a:defRPr sz="1300"/>
-                      </a:pPr>
-                      <a:r>
-                        <a:t>20.0</a:t>
-                      </a:r>
-                    </a:p>
-                  </a:txBody>
-                  <a:tcPr/>
-                </a:tc>
-              </a:tr>
-              <a:tr h="182880">
+              <a:tr h="228600">
                 <a:tc>
                   <a:txBody>
                     <a:bodyPr/>
@@ -5924,176 +5401,148 @@
                 <a:tableStyleId>{5C22544A-7EE6-4342-B048-85BDC9FD1C3A}</a:tableStyleId>
               </a:tblPr>
               <a:tblGrid>
-                <a:gridCol w="1524000"/>
-                <a:gridCol w="1524000"/>
-                <a:gridCol w="1524000"/>
-                <a:gridCol w="1524000"/>
-                <a:gridCol w="1524000"/>
-                <a:gridCol w="1524000"/>
+                <a:gridCol w="1143000"/>
+                <a:gridCol w="1143000"/>
+                <a:gridCol w="1143000"/>
+                <a:gridCol w="1143000"/>
+                <a:gridCol w="1143000"/>
+                <a:gridCol w="1143000"/>
+                <a:gridCol w="1143000"/>
+                <a:gridCol w="1143000"/>
               </a:tblGrid>
-              <a:tr h="182880">
-                <a:tc>
-                  <a:txBody>
-                    <a:bodyPr/>
-                    <a:lstStyle/>
-                    <a:p>
-                      <a:pPr>
-                        <a:defRPr sz="1300"/>
-                      </a:pPr>
-                      <a:r>
-                        <a:t>SERVICE REQUEST</a:t>
-                      </a:r>
-                    </a:p>
-                  </a:txBody>
-                  <a:tcPr/>
-                </a:tc>
-                <a:tc>
-                  <a:txBody>
-                    <a:bodyPr/>
-                    <a:lstStyle/>
-                    <a:p>
-                      <a:pPr>
-                        <a:defRPr sz="1300"/>
-                      </a:pPr>
-                      <a:r>
-                        <a:t>LEAST</a:t>
-                      </a:r>
-                    </a:p>
-                  </a:txBody>
-                  <a:tcPr/>
-                </a:tc>
-                <a:tc>
-                  <a:txBody>
-                    <a:bodyPr/>
-                    <a:lstStyle/>
-                    <a:p>
-                      <a:pPr>
-                        <a:defRPr sz="1300"/>
-                      </a:pPr>
-                      <a:r>
-                        <a:t>Priority Low - Service request with minor impact on business and users</a:t>
-                      </a:r>
-                    </a:p>
-                  </a:txBody>
-                  <a:tcPr/>
-                </a:tc>
-                <a:tc>
-                  <a:txBody>
-                    <a:bodyPr/>
-                    <a:lstStyle/>
-                    <a:p>
-                      <a:pPr>
-                        <a:defRPr sz="1300"/>
-                      </a:pPr>
-                      <a:r>
-                        <a:t>Priority Medium - Service request with minor impact on business but high impact on users</a:t>
-                      </a:r>
-                    </a:p>
-                  </a:txBody>
-                  <a:tcPr/>
-                </a:tc>
-                <a:tc>
-                  <a:txBody>
-                    <a:bodyPr/>
-                    <a:lstStyle/>
-                    <a:p>
-                      <a:pPr>
-                        <a:defRPr sz="1300"/>
-                      </a:pPr>
-                      <a:r>
-                        <a:t>Priority Very Low - Service request with No Impact</a:t>
-                      </a:r>
-                    </a:p>
-                  </a:txBody>
-                  <a:tcPr/>
-                </a:tc>
-                <a:tc>
-                  <a:txBody>
-                    <a:bodyPr/>
-                    <a:lstStyle/>
-                    <a:p>
-                      <a:pPr>
-                        <a:defRPr sz="1300"/>
-                      </a:pPr>
-                      <a:r>
-                        <a:t>Severity 4 - Incident with no business impact</a:t>
+              <a:tr h="228600">
+                <a:tc>
+                  <a:txBody>
+                    <a:bodyPr/>
+                    <a:lstStyle/>
+                    <a:p>
+                      <a:pPr>
+                        <a:defRPr sz="1300"/>
+                      </a:pPr>
+                      <a:r>
+                        <a:t>TOTAL</a:t>
+                      </a:r>
+                    </a:p>
+                  </a:txBody>
+                  <a:tcPr/>
+                </a:tc>
+                <a:tc>
+                  <a:txBody>
+                    <a:bodyPr/>
+                    <a:lstStyle/>
+                    <a:p>
+                      <a:pPr>
+                        <a:defRPr sz="1300"/>
+                      </a:pPr>
+                      <a:r>
+                        <a:t>1.0</a:t>
+                      </a:r>
+                    </a:p>
+                  </a:txBody>
+                  <a:tcPr/>
+                </a:tc>
+                <a:tc>
+                  <a:txBody>
+                    <a:bodyPr/>
+                    <a:lstStyle/>
+                    <a:p>
+                      <a:pPr>
+                        <a:defRPr sz="1300"/>
+                      </a:pPr>
+                      <a:r>
+                        <a:t>2.0</a:t>
+                      </a:r>
+                    </a:p>
+                  </a:txBody>
+                  <a:tcPr/>
+                </a:tc>
+                <a:tc>
+                  <a:txBody>
+                    <a:bodyPr/>
+                    <a:lstStyle/>
+                    <a:p>
+                      <a:pPr>
+                        <a:defRPr sz="1300"/>
+                      </a:pPr>
+                      <a:r>
+                        <a:t>1.0</a:t>
+                      </a:r>
+                    </a:p>
+                  </a:txBody>
+                  <a:tcPr/>
+                </a:tc>
+                <a:tc>
+                  <a:txBody>
+                    <a:bodyPr/>
+                    <a:lstStyle/>
+                    <a:p>
+                      <a:pPr>
+                        <a:defRPr sz="1300"/>
+                      </a:pPr>
+                      <a:r>
+                        <a:t>74.0</a:t>
+                      </a:r>
+                    </a:p>
+                  </a:txBody>
+                  <a:tcPr/>
+                </a:tc>
+                <a:tc>
+                  <a:txBody>
+                    <a:bodyPr/>
+                    <a:lstStyle/>
+                    <a:p>
+                      <a:pPr>
+                        <a:defRPr sz="1300"/>
+                      </a:pPr>
+                      <a:r>
+                        <a:t>3.0</a:t>
+                      </a:r>
+                    </a:p>
+                  </a:txBody>
+                  <a:tcPr/>
+                </a:tc>
+                <a:tc>
+                  <a:txBody>
+                    <a:bodyPr/>
+                    <a:lstStyle/>
+                    <a:p>
+                      <a:pPr>
+                        <a:defRPr sz="1300"/>
+                      </a:pPr>
+                      <a:r>
+                        <a:t>51.0</a:t>
+                      </a:r>
+                    </a:p>
+                  </a:txBody>
+                  <a:tcPr/>
+                </a:tc>
+                <a:tc>
+                  <a:txBody>
+                    <a:bodyPr/>
+                    <a:lstStyle/>
+                    <a:p>
+                      <a:pPr>
+                        <a:defRPr sz="1300"/>
+                      </a:pPr>
+                      <a:r>
+                        <a:t>5.0</a:t>
                       </a:r>
                     </a:p>
                   </a:txBody>
                   <a:tcPr/>
                 </a:tc>
               </a:tr>
-              <a:tr h="182880">
-                <a:tc>
-                  <a:txBody>
-                    <a:bodyPr/>
-                    <a:lstStyle/>
-                    <a:p>
-                      <a:pPr>
-                        <a:defRPr sz="1300"/>
-                      </a:pPr>
-                      <a:r>
-                        <a:t>TOTAL</a:t>
-                      </a:r>
-                    </a:p>
-                  </a:txBody>
-                  <a:tcPr/>
-                </a:tc>
-                <a:tc>
-                  <a:txBody>
-                    <a:bodyPr/>
-                    <a:lstStyle/>
-                    <a:p>
-                      <a:pPr>
-                        <a:defRPr sz="1300"/>
-                      </a:pPr>
-                      <a:r>
-                        <a:t>4.0</a:t>
-                      </a:r>
-                    </a:p>
-                  </a:txBody>
-                  <a:tcPr/>
-                </a:tc>
-                <a:tc>
-                  <a:txBody>
-                    <a:bodyPr/>
-                    <a:lstStyle/>
-                    <a:p>
-                      <a:pPr>
-                        <a:defRPr sz="1300"/>
-                      </a:pPr>
-                      <a:r>
-                        <a:t>69.0</a:t>
-                      </a:r>
-                    </a:p>
-                  </a:txBody>
-                  <a:tcPr/>
-                </a:tc>
-                <a:tc>
-                  <a:txBody>
-                    <a:bodyPr/>
-                    <a:lstStyle/>
-                    <a:p>
-                      <a:pPr>
-                        <a:defRPr sz="1300"/>
-                      </a:pPr>
-                      <a:r>
-                        <a:t>4.0</a:t>
-                      </a:r>
-                    </a:p>
-                  </a:txBody>
-                  <a:tcPr/>
-                </a:tc>
-                <a:tc>
-                  <a:txBody>
-                    <a:bodyPr/>
-                    <a:lstStyle/>
-                    <a:p>
-                      <a:pPr>
-                        <a:defRPr sz="1300"/>
-                      </a:pPr>
-                      <a:r>
-                        <a:t>27.0</a:t>
+              <a:tr h="228600">
+                <a:tc>
+                  <a:txBody>
+                    <a:bodyPr/>
+                    <a:lstStyle/>
+                    <a:p>
+                      <a:pPr>
+                        <a:defRPr sz="1300"/>
+                      </a:pPr>
+                      <a:r>
+                        <a:t>CLOSED</a:t>
                       </a:r>
                     </a:p>
                   </a:txBody>
@@ -6114,192 +5563,244 @@
                   </a:txBody>
                   <a:tcPr/>
                 </a:tc>
+                <a:tc>
+                  <a:txBody>
+                    <a:bodyPr/>
+                    <a:lstStyle/>
+                    <a:p>
+                      <a:pPr>
+                        <a:defRPr sz="1300"/>
+                      </a:pPr>
+                      <a:r>
+                        <a:t>2.0</a:t>
+                      </a:r>
+                    </a:p>
+                  </a:txBody>
+                  <a:tcPr/>
+                </a:tc>
+                <a:tc>
+                  <a:txBody>
+                    <a:bodyPr/>
+                    <a:lstStyle/>
+                    <a:p>
+                      <a:pPr>
+                        <a:defRPr sz="1300"/>
+                      </a:pPr>
+                      <a:r>
+                        <a:t>1.0</a:t>
+                      </a:r>
+                    </a:p>
+                  </a:txBody>
+                  <a:tcPr/>
+                </a:tc>
+                <a:tc>
+                  <a:txBody>
+                    <a:bodyPr/>
+                    <a:lstStyle/>
+                    <a:p>
+                      <a:pPr>
+                        <a:defRPr sz="1300"/>
+                      </a:pPr>
+                      <a:r>
+                        <a:t>72.0</a:t>
+                      </a:r>
+                    </a:p>
+                  </a:txBody>
+                  <a:tcPr/>
+                </a:tc>
+                <a:tc>
+                  <a:txBody>
+                    <a:bodyPr/>
+                    <a:lstStyle/>
+                    <a:p>
+                      <a:pPr>
+                        <a:defRPr sz="1300"/>
+                      </a:pPr>
+                      <a:r>
+                        <a:t>3.0</a:t>
+                      </a:r>
+                    </a:p>
+                  </a:txBody>
+                  <a:tcPr/>
+                </a:tc>
+                <a:tc>
+                  <a:txBody>
+                    <a:bodyPr/>
+                    <a:lstStyle/>
+                    <a:p>
+                      <a:pPr>
+                        <a:defRPr sz="1300"/>
+                      </a:pPr>
+                      <a:r>
+                        <a:t>49.0</a:t>
+                      </a:r>
+                    </a:p>
+                  </a:txBody>
+                  <a:tcPr/>
+                </a:tc>
+                <a:tc>
+                  <a:txBody>
+                    <a:bodyPr/>
+                    <a:lstStyle/>
+                    <a:p>
+                      <a:pPr>
+                        <a:defRPr sz="1300"/>
+                      </a:pPr>
+                      <a:r>
+                        <a:t>3.0</a:t>
+                      </a:r>
+                    </a:p>
+                  </a:txBody>
+                  <a:tcPr/>
+                </a:tc>
               </a:tr>
-              <a:tr h="182880">
-                <a:tc>
-                  <a:txBody>
-                    <a:bodyPr/>
-                    <a:lstStyle/>
-                    <a:p>
-                      <a:pPr>
-                        <a:defRPr sz="1300"/>
-                      </a:pPr>
-                      <a:r>
-                        <a:t>CLOSED</a:t>
-                      </a:r>
-                    </a:p>
-                  </a:txBody>
-                  <a:tcPr/>
-                </a:tc>
-                <a:tc>
-                  <a:txBody>
-                    <a:bodyPr/>
-                    <a:lstStyle/>
-                    <a:p>
-                      <a:pPr>
-                        <a:defRPr sz="1300"/>
-                      </a:pPr>
-                      <a:r>
-                        <a:t>4.0</a:t>
-                      </a:r>
-                    </a:p>
-                  </a:txBody>
-                  <a:tcPr/>
-                </a:tc>
-                <a:tc>
-                  <a:txBody>
-                    <a:bodyPr/>
-                    <a:lstStyle/>
-                    <a:p>
-                      <a:pPr>
-                        <a:defRPr sz="1300"/>
-                      </a:pPr>
-                      <a:r>
-                        <a:t>64.0</a:t>
-                      </a:r>
-                    </a:p>
-                  </a:txBody>
-                  <a:tcPr/>
-                </a:tc>
-                <a:tc>
-                  <a:txBody>
-                    <a:bodyPr/>
-                    <a:lstStyle/>
-                    <a:p>
-                      <a:pPr>
-                        <a:defRPr sz="1300"/>
-                      </a:pPr>
-                      <a:r>
-                        <a:t>4.0</a:t>
-                      </a:r>
-                    </a:p>
-                  </a:txBody>
-                  <a:tcPr/>
-                </a:tc>
-                <a:tc>
-                  <a:txBody>
-                    <a:bodyPr/>
-                    <a:lstStyle/>
-                    <a:p>
-                      <a:pPr>
-                        <a:defRPr sz="1300"/>
-                      </a:pPr>
-                      <a:r>
-                        <a:t>26.0</a:t>
-                      </a:r>
-                    </a:p>
-                  </a:txBody>
-                  <a:tcPr/>
-                </a:tc>
-                <a:tc>
-                  <a:txBody>
-                    <a:bodyPr/>
-                    <a:lstStyle/>
-                    <a:p>
-                      <a:pPr>
-                        <a:defRPr sz="1300"/>
-                      </a:pPr>
-                      <a:r>
-                        <a:t>1.0</a:t>
+              <a:tr h="228600">
+                <a:tc>
+                  <a:txBody>
+                    <a:bodyPr/>
+                    <a:lstStyle/>
+                    <a:p>
+                      <a:pPr>
+                        <a:defRPr sz="1300"/>
+                      </a:pPr>
+                      <a:r>
+                        <a:t>Work In Process</a:t>
+                      </a:r>
+                    </a:p>
+                  </a:txBody>
+                  <a:tcPr/>
+                </a:tc>
+                <a:tc>
+                  <a:txBody>
+                    <a:bodyPr/>
+                    <a:lstStyle/>
+                    <a:p>
+                      <a:pPr>
+                        <a:defRPr sz="1300"/>
+                      </a:pPr>
+                      <a:r>
+                        <a:t>0.0</a:t>
+                      </a:r>
+                    </a:p>
+                  </a:txBody>
+                  <a:tcPr/>
+                </a:tc>
+                <a:tc>
+                  <a:txBody>
+                    <a:bodyPr/>
+                    <a:lstStyle/>
+                    <a:p>
+                      <a:pPr>
+                        <a:defRPr sz="1300"/>
+                      </a:pPr>
+                      <a:r>
+                        <a:t>0.0</a:t>
+                      </a:r>
+                    </a:p>
+                  </a:txBody>
+                  <a:tcPr/>
+                </a:tc>
+                <a:tc>
+                  <a:txBody>
+                    <a:bodyPr/>
+                    <a:lstStyle/>
+                    <a:p>
+                      <a:pPr>
+                        <a:defRPr sz="1300"/>
+                      </a:pPr>
+                      <a:r>
+                        <a:t>0.0</a:t>
+                      </a:r>
+                    </a:p>
+                  </a:txBody>
+                  <a:tcPr/>
+                </a:tc>
+                <a:tc>
+                  <a:txBody>
+                    <a:bodyPr/>
+                    <a:lstStyle/>
+                    <a:p>
+                      <a:pPr>
+                        <a:defRPr sz="1300"/>
+                      </a:pPr>
+                      <a:r>
+                        <a:t>2.0</a:t>
+                      </a:r>
+                    </a:p>
+                  </a:txBody>
+                  <a:tcPr/>
+                </a:tc>
+                <a:tc>
+                  <a:txBody>
+                    <a:bodyPr/>
+                    <a:lstStyle/>
+                    <a:p>
+                      <a:pPr>
+                        <a:defRPr sz="1300"/>
+                      </a:pPr>
+                      <a:r>
+                        <a:t>0.0</a:t>
+                      </a:r>
+                    </a:p>
+                  </a:txBody>
+                  <a:tcPr/>
+                </a:tc>
+                <a:tc>
+                  <a:txBody>
+                    <a:bodyPr/>
+                    <a:lstStyle/>
+                    <a:p>
+                      <a:pPr>
+                        <a:defRPr sz="1300"/>
+                      </a:pPr>
+                      <a:r>
+                        <a:t>2.0</a:t>
+                      </a:r>
+                    </a:p>
+                  </a:txBody>
+                  <a:tcPr/>
+                </a:tc>
+                <a:tc>
+                  <a:txBody>
+                    <a:bodyPr/>
+                    <a:lstStyle/>
+                    <a:p>
+                      <a:pPr>
+                        <a:defRPr sz="1300"/>
+                      </a:pPr>
+                      <a:r>
+                        <a:t>2.0</a:t>
                       </a:r>
                     </a:p>
                   </a:txBody>
                   <a:tcPr/>
                 </a:tc>
               </a:tr>
-              <a:tr h="182880">
-                <a:tc>
-                  <a:txBody>
-                    <a:bodyPr/>
-                    <a:lstStyle/>
-                    <a:p>
-                      <a:pPr>
-                        <a:defRPr sz="1300"/>
-                      </a:pPr>
-                      <a:r>
-                        <a:t>Work In Process</a:t>
-                      </a:r>
-                    </a:p>
-                  </a:txBody>
-                  <a:tcPr/>
-                </a:tc>
-                <a:tc>
-                  <a:txBody>
-                    <a:bodyPr/>
-                    <a:lstStyle/>
-                    <a:p>
-                      <a:pPr>
-                        <a:defRPr sz="1300"/>
-                      </a:pPr>
-                      <a:r>
-                        <a:t>0.0</a:t>
-                      </a:r>
-                    </a:p>
-                  </a:txBody>
-                  <a:tcPr/>
-                </a:tc>
-                <a:tc>
-                  <a:txBody>
-                    <a:bodyPr/>
-                    <a:lstStyle/>
-                    <a:p>
-                      <a:pPr>
-                        <a:defRPr sz="1300"/>
-                      </a:pPr>
-                      <a:r>
-                        <a:t>5.0</a:t>
-                      </a:r>
-                    </a:p>
-                  </a:txBody>
-                  <a:tcPr/>
-                </a:tc>
-                <a:tc>
-                  <a:txBody>
-                    <a:bodyPr/>
-                    <a:lstStyle/>
-                    <a:p>
-                      <a:pPr>
-                        <a:defRPr sz="1300"/>
-                      </a:pPr>
-                      <a:r>
-                        <a:t>0.0</a:t>
-                      </a:r>
-                    </a:p>
-                  </a:txBody>
-                  <a:tcPr/>
-                </a:tc>
-                <a:tc>
-                  <a:txBody>
-                    <a:bodyPr/>
-                    <a:lstStyle/>
-                    <a:p>
-                      <a:pPr>
-                        <a:defRPr sz="1300"/>
-                      </a:pPr>
-                      <a:r>
-                        <a:t>1.0</a:t>
-                      </a:r>
-                    </a:p>
-                  </a:txBody>
-                  <a:tcPr/>
-                </a:tc>
-                <a:tc>
-                  <a:txBody>
-                    <a:bodyPr/>
-                    <a:lstStyle/>
-                    <a:p>
-                      <a:pPr>
-                        <a:defRPr sz="1300"/>
-                      </a:pPr>
-                      <a:r>
-                        <a:t>0.0</a:t>
-                      </a:r>
-                    </a:p>
-                  </a:txBody>
-                  <a:tcPr/>
-                </a:tc>
-              </a:tr>
-              <a:tr h="182880">
+              <a:tr h="228600">
+                <a:tc>
+                  <a:txBody>
+                    <a:bodyPr/>
+                    <a:lstStyle/>
+                    <a:p>
+                      <a:pPr>
+                        <a:defRPr sz="1300"/>
+                      </a:pPr>
+                    </a:p>
+                  </a:txBody>
+                  <a:tcPr/>
+                </a:tc>
+                <a:tc>
+                  <a:txBody>
+                    <a:bodyPr/>
+                    <a:lstStyle/>
+                    <a:p>
+                      <a:pPr>
+                        <a:defRPr sz="1300"/>
+                      </a:pPr>
+                    </a:p>
+                  </a:txBody>
+                  <a:tcPr/>
+                </a:tc>
                 <a:tc>
                   <a:txBody>
                     <a:bodyPr/>
@@ -6554,37 +6055,37 @@
                         <a:defRPr sz="1300"/>
                       </a:pPr>
                       <a:r>
-                        <a:t>203</a:t>
-                      </a:r>
-                    </a:p>
-                  </a:txBody>
-                  <a:tcPr/>
-                </a:tc>
-                <a:tc>
-                  <a:txBody>
-                    <a:bodyPr/>
-                    <a:lstStyle/>
-                    <a:p>
-                      <a:pPr>
-                        <a:defRPr sz="1300"/>
-                      </a:pPr>
-                      <a:r>
-                        <a:t>156</a:t>
-                      </a:r>
-                    </a:p>
-                  </a:txBody>
-                  <a:tcPr/>
-                </a:tc>
-                <a:tc>
-                  <a:txBody>
-                    <a:bodyPr/>
-                    <a:lstStyle/>
-                    <a:p>
-                      <a:pPr>
-                        <a:defRPr sz="1300"/>
-                      </a:pPr>
-                      <a:r>
-                        <a:t>47</a:t>
+                        <a:t>204</a:t>
+                      </a:r>
+                    </a:p>
+                  </a:txBody>
+                  <a:tcPr/>
+                </a:tc>
+                <a:tc>
+                  <a:txBody>
+                    <a:bodyPr/>
+                    <a:lstStyle/>
+                    <a:p>
+                      <a:pPr>
+                        <a:defRPr sz="1300"/>
+                      </a:pPr>
+                      <a:r>
+                        <a:t>154</a:t>
+                      </a:r>
+                    </a:p>
+                  </a:txBody>
+                  <a:tcPr/>
+                </a:tc>
+                <a:tc>
+                  <a:txBody>
+                    <a:bodyPr/>
+                    <a:lstStyle/>
+                    <a:p>
+                      <a:pPr>
+                        <a:defRPr sz="1300"/>
+                      </a:pPr>
+                      <a:r>
+                        <a:t>50</a:t>
                       </a:r>
                     </a:p>
                   </a:txBody>
@@ -6614,7 +6115,7 @@
                         <a:defRPr sz="1300"/>
                       </a:pPr>
                       <a:r>
-                        <a:t>23.15</a:t>
+                        <a:t>24.51</a:t>
                       </a:r>
                     </a:p>
                   </a:txBody>
@@ -6768,37 +6269,37 @@
                         <a:defRPr sz="1300"/>
                       </a:pPr>
                       <a:r>
-                        <a:t>83</a:t>
-                      </a:r>
-                    </a:p>
-                  </a:txBody>
-                  <a:tcPr/>
-                </a:tc>
-                <a:tc>
-                  <a:txBody>
-                    <a:bodyPr/>
-                    <a:lstStyle/>
-                    <a:p>
-                      <a:pPr>
-                        <a:defRPr sz="1300"/>
-                      </a:pPr>
-                      <a:r>
-                        <a:t>57</a:t>
-                      </a:r>
-                    </a:p>
-                  </a:txBody>
-                  <a:tcPr/>
-                </a:tc>
-                <a:tc>
-                  <a:txBody>
-                    <a:bodyPr/>
-                    <a:lstStyle/>
-                    <a:p>
-                      <a:pPr>
-                        <a:defRPr sz="1300"/>
-                      </a:pPr>
-                      <a:r>
-                        <a:t>26</a:t>
+                        <a:t>84</a:t>
+                      </a:r>
+                    </a:p>
+                  </a:txBody>
+                  <a:tcPr/>
+                </a:tc>
+                <a:tc>
+                  <a:txBody>
+                    <a:bodyPr/>
+                    <a:lstStyle/>
+                    <a:p>
+                      <a:pPr>
+                        <a:defRPr sz="1300"/>
+                      </a:pPr>
+                      <a:r>
+                        <a:t>52</a:t>
+                      </a:r>
+                    </a:p>
+                  </a:txBody>
+                  <a:tcPr/>
+                </a:tc>
+                <a:tc>
+                  <a:txBody>
+                    <a:bodyPr/>
+                    <a:lstStyle/>
+                    <a:p>
+                      <a:pPr>
+                        <a:defRPr sz="1300"/>
+                      </a:pPr>
+                      <a:r>
+                        <a:t>32</a:t>
                       </a:r>
                     </a:p>
                   </a:txBody>
@@ -6828,7 +6329,7 @@
                         <a:defRPr sz="1300"/>
                       </a:pPr>
                       <a:r>
-                        <a:t>31.33</a:t>
+                        <a:t>38.1</a:t>
                       </a:r>
                     </a:p>
                   </a:txBody>
@@ -6967,7 +6468,7 @@
                         <a:defRPr sz="1500"/>
                       </a:pPr>
                       <a:r>
-                        <a:t>December</a:t>
+                        <a:t>January</a:t>
                       </a:r>
                     </a:p>
                   </a:txBody>
@@ -6982,7 +6483,7 @@
                         <a:defRPr sz="1500"/>
                       </a:pPr>
                       <a:r>
-                        <a:t>January</a:t>
+                        <a:t>February</a:t>
                       </a:r>
                     </a:p>
                   </a:txBody>
@@ -7044,7 +6545,7 @@
                         <a:defRPr sz="1500"/>
                       </a:pPr>
                       <a:r>
-                        <a:t>127</a:t>
+                        <a:t>128</a:t>
                       </a:r>
                     </a:p>
                   </a:txBody>
@@ -7168,7 +6669,7 @@
                         <a:defRPr sz="1500"/>
                       </a:pPr>
                       <a:r>
-                        <a:t>86</a:t>
+                        <a:t>87</a:t>
                       </a:r>
                     </a:p>
                   </a:txBody>
